--- a/EE464_Proje_Sunu.pptx
+++ b/EE464_Proje_Sunu.pptx
@@ -35,7 +35,6 @@
     <p:sldId id="270" r:id="rId29"/>
     <p:sldId id="271" r:id="rId30"/>
     <p:sldId id="269" r:id="rId31"/>
-    <p:sldId id="286" r:id="rId32"/>
   </p:sldIdLst>
   <p:sldSz cx="12192000" cy="6858000"/>
   <p:notesSz cx="6858000" cy="9144000"/>
@@ -291,7 +290,7 @@
           <a:p>
             <a:fld id="{DB59F3CB-6BD4-2B46-9D01-8F87306B5615}" type="datetimeFigureOut">
               <a:rPr lang="en-US" smtClean="0"/>
-              <a:t>5/7/2021</a:t>
+              <a:t>5/7/21</a:t>
             </a:fld>
             <a:endParaRPr lang="en-US"/>
           </a:p>
@@ -491,7 +490,7 @@
           <a:p>
             <a:fld id="{DB59F3CB-6BD4-2B46-9D01-8F87306B5615}" type="datetimeFigureOut">
               <a:rPr lang="en-US" smtClean="0"/>
-              <a:t>5/7/2021</a:t>
+              <a:t>5/7/21</a:t>
             </a:fld>
             <a:endParaRPr lang="en-US"/>
           </a:p>
@@ -701,7 +700,7 @@
           <a:p>
             <a:fld id="{DB59F3CB-6BD4-2B46-9D01-8F87306B5615}" type="datetimeFigureOut">
               <a:rPr lang="en-US" smtClean="0"/>
-              <a:t>5/7/2021</a:t>
+              <a:t>5/7/21</a:t>
             </a:fld>
             <a:endParaRPr lang="en-US"/>
           </a:p>
@@ -901,7 +900,7 @@
           <a:p>
             <a:fld id="{DB59F3CB-6BD4-2B46-9D01-8F87306B5615}" type="datetimeFigureOut">
               <a:rPr lang="en-US" smtClean="0"/>
-              <a:t>5/7/2021</a:t>
+              <a:t>5/7/21</a:t>
             </a:fld>
             <a:endParaRPr lang="en-US"/>
           </a:p>
@@ -971,13 +970,6 @@
   <p:clrMapOvr>
     <a:masterClrMapping/>
   </p:clrMapOvr>
-  <p:timing>
-    <p:tnLst>
-      <p:par>
-        <p:cTn id="1" dur="indefinite" restart="never" nodeType="tmRoot"/>
-      </p:par>
-    </p:tnLst>
-  </p:timing>
 </p:sldLayout>
 </file>
 
@@ -1184,7 +1176,7 @@
           <a:p>
             <a:fld id="{DB59F3CB-6BD4-2B46-9D01-8F87306B5615}" type="datetimeFigureOut">
               <a:rPr lang="en-US" smtClean="0"/>
-              <a:t>5/7/2021</a:t>
+              <a:t>5/7/21</a:t>
             </a:fld>
             <a:endParaRPr lang="en-US"/>
           </a:p>
@@ -1452,7 +1444,7 @@
           <a:p>
             <a:fld id="{DB59F3CB-6BD4-2B46-9D01-8F87306B5615}" type="datetimeFigureOut">
               <a:rPr lang="en-US" smtClean="0"/>
-              <a:t>5/7/2021</a:t>
+              <a:t>5/7/21</a:t>
             </a:fld>
             <a:endParaRPr lang="en-US"/>
           </a:p>
@@ -1867,7 +1859,7 @@
           <a:p>
             <a:fld id="{DB59F3CB-6BD4-2B46-9D01-8F87306B5615}" type="datetimeFigureOut">
               <a:rPr lang="en-US" smtClean="0"/>
-              <a:t>5/7/2021</a:t>
+              <a:t>5/7/21</a:t>
             </a:fld>
             <a:endParaRPr lang="en-US"/>
           </a:p>
@@ -2009,7 +2001,7 @@
           <a:p>
             <a:fld id="{DB59F3CB-6BD4-2B46-9D01-8F87306B5615}" type="datetimeFigureOut">
               <a:rPr lang="en-US" smtClean="0"/>
-              <a:t>5/7/2021</a:t>
+              <a:t>5/7/21</a:t>
             </a:fld>
             <a:endParaRPr lang="en-US"/>
           </a:p>
@@ -2122,7 +2114,7 @@
           <a:p>
             <a:fld id="{DB59F3CB-6BD4-2B46-9D01-8F87306B5615}" type="datetimeFigureOut">
               <a:rPr lang="en-US" smtClean="0"/>
-              <a:t>5/7/2021</a:t>
+              <a:t>5/7/21</a:t>
             </a:fld>
             <a:endParaRPr lang="en-US"/>
           </a:p>
@@ -2435,7 +2427,7 @@
           <a:p>
             <a:fld id="{DB59F3CB-6BD4-2B46-9D01-8F87306B5615}" type="datetimeFigureOut">
               <a:rPr lang="en-US" smtClean="0"/>
-              <a:t>5/7/2021</a:t>
+              <a:t>5/7/21</a:t>
             </a:fld>
             <a:endParaRPr lang="en-US"/>
           </a:p>
@@ -2724,7 +2716,7 @@
           <a:p>
             <a:fld id="{DB59F3CB-6BD4-2B46-9D01-8F87306B5615}" type="datetimeFigureOut">
               <a:rPr lang="en-US" smtClean="0"/>
-              <a:t>5/7/2021</a:t>
+              <a:t>5/7/21</a:t>
             </a:fld>
             <a:endParaRPr lang="en-US"/>
           </a:p>
@@ -2967,7 +2959,7 @@
           <a:p>
             <a:fld id="{DB59F3CB-6BD4-2B46-9D01-8F87306B5615}" type="datetimeFigureOut">
               <a:rPr lang="en-US" smtClean="0"/>
-              <a:t>5/7/2021</a:t>
+              <a:t>5/7/21</a:t>
             </a:fld>
             <a:endParaRPr lang="en-US"/>
           </a:p>
@@ -3462,11 +3454,11 @@
           <a:lstStyle/>
           <a:p>
             <a:r>
-              <a:rPr lang="en-US" b="1" dirty="0" smtClean="0"/>
+              <a:rPr lang="en-US" b="1" dirty="0"/>
               <a:t>Doge Power</a:t>
             </a:r>
             <a:r>
-              <a:rPr lang="tr-TR" b="1" dirty="0" smtClean="0"/>
+              <a:rPr lang="tr-TR" b="1" dirty="0"/>
               <a:t> Inc.</a:t>
             </a:r>
           </a:p>
@@ -3594,13 +3586,6 @@
   <p:clrMapOvr>
     <a:masterClrMapping/>
   </p:clrMapOvr>
-  <p:timing>
-    <p:tnLst>
-      <p:par>
-        <p:cTn id="1" dur="indefinite" restart="never" nodeType="tmRoot"/>
-      </p:par>
-    </p:tnLst>
-  </p:timing>
 </p:sld>
 </file>
 
@@ -3639,10 +3624,9 @@
           <a:lstStyle/>
           <a:p>
             <a:r>
-              <a:rPr lang="tr-TR" sz="2400" dirty="0" smtClean="0"/>
+              <a:rPr lang="tr-TR" sz="2400" dirty="0"/>
               <a:t>Output Filter Design</a:t>
             </a:r>
-            <a:endParaRPr lang="tr-TR" sz="2400" dirty="0"/>
           </a:p>
         </p:txBody>
       </p:sp>
@@ -3704,13 +3688,6 @@
   <p:clrMapOvr>
     <a:masterClrMapping/>
   </p:clrMapOvr>
-  <p:timing>
-    <p:tnLst>
-      <p:par>
-        <p:cTn id="1" dur="indefinite" restart="never" nodeType="tmRoot"/>
-      </p:par>
-    </p:tnLst>
-  </p:timing>
 </p:sld>
 </file>
 
@@ -3747,7 +3724,7 @@
                 <a16:creationId xmlns:a16="http://schemas.microsoft.com/office/drawing/2014/main" id="{1A95671B-3CC6-4792-9114-B74FAEA224E6}"/>
               </a:ext>
               <a:ext uri="{C183D7F6-B498-43B3-948B-1728B52AA6E4}">
-                <adec:decorative xmlns:adec="http://schemas.microsoft.com/office/drawing/2017/decorative" xmlns="" val="1"/>
+                <adec:decorative xmlns:adec="http://schemas.microsoft.com/office/drawing/2017/decorative" val="1"/>
               </a:ext>
             </a:extLst>
           </p:cNvPr>
@@ -3874,13 +3851,6 @@
   <p:clrMapOvr>
     <a:masterClrMapping/>
   </p:clrMapOvr>
-  <p:timing>
-    <p:tnLst>
-      <p:par>
-        <p:cTn id="1" dur="indefinite" restart="never" nodeType="tmRoot"/>
-      </p:par>
-    </p:tnLst>
-  </p:timing>
 </p:sld>
 </file>
 
@@ -3970,13 +3940,6 @@
   <p:clrMapOvr>
     <a:masterClrMapping/>
   </p:clrMapOvr>
-  <p:timing>
-    <p:tnLst>
-      <p:par>
-        <p:cTn id="1" dur="indefinite" restart="never" nodeType="tmRoot"/>
-      </p:par>
-    </p:tnLst>
-  </p:timing>
 </p:sld>
 </file>
 
@@ -4223,13 +4186,6 @@
   <p:clrMapOvr>
     <a:masterClrMapping/>
   </p:clrMapOvr>
-  <p:timing>
-    <p:tnLst>
-      <p:par>
-        <p:cTn id="1" dur="indefinite" restart="never" nodeType="tmRoot"/>
-      </p:par>
-    </p:tnLst>
-  </p:timing>
 </p:sld>
 </file>
 
@@ -4325,10 +4281,9 @@
           <a:lstStyle/>
           <a:p>
             <a:r>
-              <a:rPr lang="tr-TR" dirty="0" smtClean="0"/>
+              <a:rPr lang="tr-TR" dirty="0"/>
               <a:t>LTC3723 Current Mode Controller</a:t>
             </a:r>
-            <a:endParaRPr lang="tr-TR" dirty="0"/>
           </a:p>
         </p:txBody>
       </p:sp>
@@ -4427,17 +4382,16 @@
           <a:lstStyle/>
           <a:p>
             <a:r>
-              <a:rPr lang="tr-TR" dirty="0" smtClean="0"/>
+              <a:rPr lang="tr-TR" dirty="0"/>
               <a:t>LT1431 Programmable Reference</a:t>
             </a:r>
           </a:p>
           <a:p>
             <a:pPr algn="ctr"/>
             <a:r>
-              <a:rPr lang="tr-TR" dirty="0" smtClean="0"/>
+              <a:rPr lang="tr-TR" dirty="0"/>
               <a:t>(Opto – Driver )</a:t>
             </a:r>
-            <a:endParaRPr lang="tr-TR" dirty="0"/>
           </a:p>
         </p:txBody>
       </p:sp>
@@ -4451,13 +4405,6 @@
   <p:clrMapOvr>
     <a:masterClrMapping/>
   </p:clrMapOvr>
-  <p:timing>
-    <p:tnLst>
-      <p:par>
-        <p:cTn id="1" dur="indefinite" restart="never" nodeType="tmRoot"/>
-      </p:par>
-    </p:tnLst>
-  </p:timing>
 </p:sld>
 </file>
 
@@ -4501,10 +4448,9 @@
           <a:lstStyle/>
           <a:p>
             <a:r>
-              <a:rPr lang="tr-TR" sz="2400" dirty="0" smtClean="0"/>
+              <a:rPr lang="tr-TR" sz="2400" dirty="0"/>
               <a:t>Controller Compensator Design</a:t>
             </a:r>
-            <a:endParaRPr lang="tr-TR" sz="2400" dirty="0"/>
           </a:p>
         </p:txBody>
       </p:sp>
@@ -4542,13 +4488,6 @@
   <p:clrMapOvr>
     <a:masterClrMapping/>
   </p:clrMapOvr>
-  <p:timing>
-    <p:tnLst>
-      <p:par>
-        <p:cTn id="1" dur="indefinite" restart="never" nodeType="tmRoot"/>
-      </p:par>
-    </p:tnLst>
-  </p:timing>
 </p:sld>
 </file>
 
@@ -4616,10 +4555,9 @@
           <a:lstStyle/>
           <a:p>
             <a:r>
-              <a:rPr lang="tr-TR" sz="2400" dirty="0" smtClean="0"/>
+              <a:rPr lang="tr-TR" sz="2400" dirty="0"/>
               <a:t>Controller Compensator Design</a:t>
             </a:r>
-            <a:endParaRPr lang="tr-TR" sz="2400" dirty="0"/>
           </a:p>
         </p:txBody>
       </p:sp>
@@ -4714,13 +4652,6 @@
   <p:clrMapOvr>
     <a:masterClrMapping/>
   </p:clrMapOvr>
-  <p:timing>
-    <p:tnLst>
-      <p:par>
-        <p:cTn id="1" dur="indefinite" restart="never" nodeType="tmRoot"/>
-      </p:par>
-    </p:tnLst>
-  </p:timing>
 </p:sld>
 </file>
 
@@ -4764,10 +4695,9 @@
           <a:lstStyle/>
           <a:p>
             <a:r>
-              <a:rPr lang="tr-TR" sz="2400" dirty="0" smtClean="0"/>
+              <a:rPr lang="tr-TR" sz="2400" dirty="0"/>
               <a:t>Controller Compensator Design</a:t>
             </a:r>
-            <a:endParaRPr lang="tr-TR" sz="2400" dirty="0"/>
           </a:p>
         </p:txBody>
       </p:sp>
@@ -4805,13 +4735,6 @@
   <p:clrMapOvr>
     <a:masterClrMapping/>
   </p:clrMapOvr>
-  <p:timing>
-    <p:tnLst>
-      <p:par>
-        <p:cTn id="1" dur="indefinite" restart="never" nodeType="tmRoot"/>
-      </p:par>
-    </p:tnLst>
-  </p:timing>
 </p:sld>
 </file>
 
@@ -4855,10 +4778,9 @@
           <a:lstStyle/>
           <a:p>
             <a:r>
-              <a:rPr lang="tr-TR" sz="2400" dirty="0" smtClean="0"/>
+              <a:rPr lang="tr-TR" sz="2400" dirty="0"/>
               <a:t>Controller Compensator Design</a:t>
             </a:r>
-            <a:endParaRPr lang="tr-TR" sz="2400" dirty="0"/>
           </a:p>
         </p:txBody>
       </p:sp>
@@ -4896,13 +4818,6 @@
   <p:clrMapOvr>
     <a:masterClrMapping/>
   </p:clrMapOvr>
-  <p:timing>
-    <p:tnLst>
-      <p:par>
-        <p:cTn id="1" dur="indefinite" restart="never" nodeType="tmRoot"/>
-      </p:par>
-    </p:tnLst>
-  </p:timing>
 </p:sld>
 </file>
 
@@ -4941,10 +4856,9 @@
           <a:lstStyle/>
           <a:p>
             <a:r>
-              <a:rPr lang="tr-TR" sz="2400" dirty="0" smtClean="0"/>
+              <a:rPr lang="tr-TR" sz="2400" dirty="0"/>
               <a:t>Snubber Design</a:t>
             </a:r>
-            <a:endParaRPr lang="tr-TR" sz="2400" dirty="0"/>
           </a:p>
         </p:txBody>
       </p:sp>
@@ -4972,8 +4886,8 @@
           </a:prstGeom>
         </p:spPr>
       </p:pic>
-      <mc:AlternateContent xmlns:mc="http://schemas.openxmlformats.org/markup-compatibility/2006">
-        <mc:Choice xmlns:a14="http://schemas.microsoft.com/office/drawing/2010/main" Requires="a14">
+      <mc:AlternateContent xmlns:mc="http://schemas.openxmlformats.org/markup-compatibility/2006" xmlns:a14="http://schemas.microsoft.com/office/drawing/2010/main">
+        <mc:Choice Requires="a14">
           <p:sp>
             <p:nvSpPr>
               <p:cNvPr id="16" name="Content Placeholder 2"/>
@@ -4997,14 +4911,14 @@
               <a:lstStyle/>
               <a:p>
                 <a:r>
-                  <a:rPr lang="tr-TR" sz="1800" dirty="0" smtClean="0"/>
+                  <a:rPr lang="tr-TR" sz="1800" dirty="0"/>
                   <a:t>Oscillation frequency : 8.75 MHz   </a:t>
                 </a:r>
               </a:p>
               <a:p>
                 <a:pPr lvl="1"/>
                 <a:r>
-                  <a:rPr lang="tr-TR" sz="1400" dirty="0" smtClean="0"/>
+                  <a:rPr lang="tr-TR" sz="1400" dirty="0"/>
                   <a:t>C = 1100pF  ;  </a:t>
                 </a:r>
                 <a14:m>
@@ -5273,7 +5187,7 @@
                     </m:rad>
                   </m:oMath>
                 </a14:m>
-                <a:endParaRPr lang="tr-TR" sz="1400" b="0" dirty="0" smtClean="0"/>
+                <a:endParaRPr lang="tr-TR" sz="1400" b="0" dirty="0"/>
               </a:p>
               <a:p>
                 <a14:m>
@@ -5300,12 +5214,12 @@
                     </m:r>
                   </m:oMath>
                 </a14:m>
-                <a:endParaRPr lang="tr-TR" sz="1800" b="0" dirty="0" smtClean="0">
+                <a:endParaRPr lang="tr-TR" sz="1800" b="0" dirty="0">
                   <a:ea typeface="Cambria Math" panose="02040503050406030204" pitchFamily="18" charset="0"/>
                 </a:endParaRPr>
               </a:p>
               <a:p>
-                <a:endParaRPr lang="tr-TR" sz="1800" b="0" dirty="0" smtClean="0"/>
+                <a:endParaRPr lang="tr-TR" sz="1800" b="0" dirty="0"/>
               </a:p>
               <a:p>
                 <a14:m>
@@ -5401,12 +5315,12 @@
                 </a:endParaRPr>
               </a:p>
               <a:p>
-                <a:endParaRPr lang="tr-TR" sz="1800" b="0" dirty="0" smtClean="0"/>
+                <a:endParaRPr lang="tr-TR" sz="1800" b="0" dirty="0"/>
               </a:p>
             </p:txBody>
           </p:sp>
         </mc:Choice>
-        <mc:Fallback>
+        <mc:Fallback xmlns="">
           <p:sp>
             <p:nvSpPr>
               <p:cNvPr id="16" name="Content Placeholder 2"/>
@@ -5454,13 +5368,6 @@
   <p:clrMapOvr>
     <a:masterClrMapping/>
   </p:clrMapOvr>
-  <p:timing>
-    <p:tnLst>
-      <p:par>
-        <p:cTn id="1" dur="indefinite" restart="never" nodeType="tmRoot"/>
-      </p:par>
-    </p:tnLst>
-  </p:timing>
 </p:sld>
 </file>
 
@@ -5505,7 +5412,7 @@
           <a:lstStyle/>
           <a:p>
             <a:r>
-              <a:rPr lang="tr-TR" sz="2400" dirty="0" smtClean="0"/>
+              <a:rPr lang="tr-TR" sz="2400" dirty="0"/>
               <a:t>Project Specifications</a:t>
             </a:r>
             <a:endParaRPr lang="en-US" sz="2400" dirty="0"/>
@@ -5544,12 +5451,8 @@
               <a:buNone/>
             </a:pPr>
             <a:r>
-              <a:rPr lang="en-US" sz="1800" dirty="0" smtClean="0"/>
-              <a:t>220V-400V </a:t>
-            </a:r>
-            <a:r>
               <a:rPr lang="en-US" sz="1800" dirty="0"/>
-              <a:t>DC Voltage</a:t>
+              <a:t>220V-400V DC Voltage</a:t>
             </a:r>
           </a:p>
         </p:txBody>
@@ -5583,22 +5486,14 @@
           <a:lstStyle/>
           <a:p>
             <a:r>
-              <a:rPr lang="en-US" sz="1800" dirty="0" smtClean="0"/>
-              <a:t>12V </a:t>
-            </a:r>
-            <a:r>
               <a:rPr lang="en-US" sz="1800" dirty="0"/>
-              <a:t>DC output </a:t>
-            </a:r>
-            <a:r>
-              <a:rPr lang="en-US" sz="1800" dirty="0" smtClean="0"/>
-              <a:t>voltage</a:t>
-            </a:r>
-            <a:endParaRPr lang="tr-TR" sz="1800" dirty="0" smtClean="0"/>
-          </a:p>
-          <a:p>
-            <a:r>
-              <a:rPr lang="tr-TR" sz="1800" dirty="0" smtClean="0"/>
+              <a:t>12V DC output voltage</a:t>
+            </a:r>
+            <a:endParaRPr lang="tr-TR" sz="1800" dirty="0"/>
+          </a:p>
+          <a:p>
+            <a:r>
+              <a:rPr lang="tr-TR" sz="1800" dirty="0"/>
               <a:t>Isolated signal</a:t>
             </a:r>
             <a:endParaRPr lang="en-US" sz="1800" dirty="0"/>
@@ -5666,17 +5561,16 @@
           <a:p>
             <a:pPr algn="ctr"/>
             <a:r>
-              <a:rPr lang="tr-TR" sz="2800" b="1" dirty="0" smtClean="0"/>
+              <a:rPr lang="tr-TR" sz="2800" b="1" dirty="0"/>
               <a:t>DC/DC</a:t>
             </a:r>
           </a:p>
           <a:p>
             <a:pPr algn="ctr"/>
             <a:r>
-              <a:rPr lang="tr-TR" sz="2800" b="1" dirty="0" smtClean="0"/>
+              <a:rPr lang="tr-TR" sz="2800" b="1" dirty="0"/>
               <a:t>Converter</a:t>
             </a:r>
-            <a:endParaRPr lang="tr-TR" sz="2800" b="1" dirty="0"/>
           </a:p>
         </p:txBody>
       </p:sp>
@@ -5758,13 +5652,6 @@
   <p:clrMapOvr>
     <a:masterClrMapping/>
   </p:clrMapOvr>
-  <p:timing>
-    <p:tnLst>
-      <p:par>
-        <p:cTn id="1" dur="indefinite" restart="never" nodeType="tmRoot"/>
-      </p:par>
-    </p:tnLst>
-  </p:timing>
 </p:sld>
 </file>
 
@@ -5803,10 +5690,9 @@
           <a:lstStyle/>
           <a:p>
             <a:r>
-              <a:rPr lang="tr-TR" sz="2400" dirty="0" smtClean="0"/>
+              <a:rPr lang="tr-TR" sz="2400" dirty="0"/>
               <a:t>Snubber Design</a:t>
             </a:r>
-            <a:endParaRPr lang="tr-TR" sz="2400" dirty="0"/>
           </a:p>
         </p:txBody>
       </p:sp>
@@ -5916,13 +5802,6 @@
   <p:clrMapOvr>
     <a:masterClrMapping/>
   </p:clrMapOvr>
-  <p:timing>
-    <p:tnLst>
-      <p:par>
-        <p:cTn id="1" dur="indefinite" restart="never" nodeType="tmRoot"/>
-      </p:par>
-    </p:tnLst>
-  </p:timing>
 </p:sld>
 </file>
 
@@ -6171,8 +6050,8 @@
           </a:p>
         </p:txBody>
       </p:sp>
-      <mc:AlternateContent xmlns:mc="http://schemas.openxmlformats.org/markup-compatibility/2006">
-        <mc:Choice xmlns:a14="http://schemas.microsoft.com/office/drawing/2010/main" Requires="a14">
+      <mc:AlternateContent xmlns:mc="http://schemas.openxmlformats.org/markup-compatibility/2006" xmlns:a14="http://schemas.microsoft.com/office/drawing/2010/main">
+        <mc:Choice Requires="a14">
           <p:sp>
             <p:nvSpPr>
               <p:cNvPr id="11" name="İçerik Yer Tutucusu 10">
@@ -6854,7 +6733,7 @@
             </p:txBody>
           </p:sp>
         </mc:Choice>
-        <mc:Fallback>
+        <mc:Fallback xmlns="">
           <p:sp>
             <p:nvSpPr>
               <p:cNvPr id="11" name="İçerik Yer Tutucusu 10">
@@ -6904,13 +6783,6 @@
   <p:clrMapOvr>
     <a:masterClrMapping/>
   </p:clrMapOvr>
-  <p:timing>
-    <p:tnLst>
-      <p:par>
-        <p:cTn id="1" dur="indefinite" restart="never" nodeType="tmRoot"/>
-      </p:par>
-    </p:tnLst>
-  </p:timing>
 </p:sld>
 </file>
 
@@ -6961,22 +6833,18 @@
           <a:p>
             <a:r>
               <a:rPr lang="en-US" sz="2400" dirty="0"/>
-              <a:t>Magnetic Design of </a:t>
-            </a:r>
-            <a:r>
-              <a:rPr lang="en-US" sz="2400" dirty="0" smtClean="0"/>
-              <a:t>Transformer</a:t>
-            </a:r>
-            <a:r>
-              <a:rPr lang="tr-TR" sz="2400" dirty="0" smtClean="0"/>
+              <a:t>Magnetic Design of Transformer</a:t>
+            </a:r>
+            <a:r>
+              <a:rPr lang="tr-TR" sz="2400" dirty="0"/>
               <a:t> – Magnetising Inductance</a:t>
             </a:r>
             <a:endParaRPr lang="en-US" sz="2400" dirty="0"/>
           </a:p>
         </p:txBody>
       </p:sp>
-      <mc:AlternateContent xmlns:mc="http://schemas.openxmlformats.org/markup-compatibility/2006">
-        <mc:Choice xmlns:a14="http://schemas.microsoft.com/office/drawing/2010/main" Requires="a14">
+      <mc:AlternateContent xmlns:mc="http://schemas.openxmlformats.org/markup-compatibility/2006" xmlns:a14="http://schemas.microsoft.com/office/drawing/2010/main">
+        <mc:Choice Requires="a14">
           <p:sp>
             <p:nvSpPr>
               <p:cNvPr id="15" name="İçerik Yer Tutucusu 14">
@@ -7668,7 +7536,7 @@
                     </m:oMath>
                   </m:oMathPara>
                 </a14:m>
-                <a:endParaRPr lang="tr-TR" sz="1400" dirty="0" smtClean="0"/>
+                <a:endParaRPr lang="tr-TR" sz="1400" dirty="0"/>
               </a:p>
               <a:p>
                 <a:pPr marL="0" indent="0">
@@ -7968,7 +7836,7 @@
             </p:txBody>
           </p:sp>
         </mc:Choice>
-        <mc:Fallback>
+        <mc:Fallback xmlns="">
           <p:sp>
             <p:nvSpPr>
               <p:cNvPr id="15" name="İçerik Yer Tutucusu 14">
@@ -8022,13 +7890,6 @@
   <p:clrMapOvr>
     <a:masterClrMapping/>
   </p:clrMapOvr>
-  <p:timing>
-    <p:tnLst>
-      <p:par>
-        <p:cTn id="1" dur="indefinite" restart="never" nodeType="tmRoot"/>
-      </p:par>
-    </p:tnLst>
-  </p:timing>
 </p:sld>
 </file>
 
@@ -8079,38 +7940,21 @@
           <a:p>
             <a:r>
               <a:rPr lang="en-US" sz="2400" dirty="0"/>
-              <a:t>Magnetic </a:t>
-            </a:r>
-            <a:r>
-              <a:rPr lang="en-US" sz="2400" dirty="0" smtClean="0"/>
-              <a:t>Design </a:t>
+              <a:t>Magnetic Design of Transformer</a:t>
+            </a:r>
+            <a:r>
+              <a:rPr lang="tr-TR" sz="2400" dirty="0"/>
+              <a:t> - </a:t>
             </a:r>
             <a:r>
               <a:rPr lang="en-US" sz="2400" dirty="0"/>
-              <a:t>of </a:t>
-            </a:r>
-            <a:r>
-              <a:rPr lang="en-US" sz="2400" dirty="0" smtClean="0"/>
-              <a:t>Transformer</a:t>
-            </a:r>
-            <a:r>
-              <a:rPr lang="tr-TR" sz="2400" dirty="0" smtClean="0"/>
-              <a:t> - </a:t>
-            </a:r>
-            <a:r>
-              <a:rPr lang="en-US" sz="2400" dirty="0"/>
-              <a:t>Skin </a:t>
-            </a:r>
-            <a:r>
-              <a:rPr lang="en-US" sz="2400" dirty="0" smtClean="0"/>
-              <a:t>Depth</a:t>
-            </a:r>
-            <a:endParaRPr lang="en-US" sz="2400" dirty="0"/>
+              <a:t>Skin Depth</a:t>
+            </a:r>
           </a:p>
         </p:txBody>
       </p:sp>
-      <mc:AlternateContent xmlns:mc="http://schemas.openxmlformats.org/markup-compatibility/2006">
-        <mc:Choice xmlns:a14="http://schemas.microsoft.com/office/drawing/2010/main" Requires="a14">
+      <mc:AlternateContent xmlns:mc="http://schemas.openxmlformats.org/markup-compatibility/2006" xmlns:a14="http://schemas.microsoft.com/office/drawing/2010/main">
+        <mc:Choice Requires="a14">
           <p:sp>
             <p:nvSpPr>
               <p:cNvPr id="17" name="İçerik Yer Tutucusu 16">
@@ -8596,7 +8440,7 @@
                     </m:oMath>
                   </m:oMathPara>
                 </a14:m>
-                <a:endParaRPr lang="tr-TR" sz="1300" dirty="0" smtClean="0"/>
+                <a:endParaRPr lang="tr-TR" sz="1300" dirty="0"/>
               </a:p>
               <a:p>
                 <a:pPr marL="0" indent="0" algn="ctr">
@@ -8606,7 +8450,7 @@
                   <a:buNone/>
                 </a:pPr>
                 <a:r>
-                  <a:rPr lang="tr-TR" sz="1300" dirty="0" smtClean="0"/>
+                  <a:rPr lang="tr-TR" sz="1300" dirty="0"/>
                   <a:t>AWG12 : 2.05mm diameter</a:t>
                 </a:r>
               </a:p>
@@ -8618,10 +8462,9 @@
                   <a:buNone/>
                 </a:pPr>
                 <a:r>
-                  <a:rPr lang="tr-TR" sz="1300" dirty="0" smtClean="0"/>
+                  <a:rPr lang="tr-TR" sz="1300" dirty="0"/>
                   <a:t>AWG25 : 0.455mm diameter</a:t>
                 </a:r>
-                <a:endParaRPr lang="tr-TR" sz="1300" dirty="0"/>
               </a:p>
               <a:p>
                 <a:pPr marL="0" indent="0">
@@ -8632,7 +8475,7 @@
             </p:txBody>
           </p:sp>
         </mc:Choice>
-        <mc:Fallback>
+        <mc:Fallback xmlns="">
           <p:sp>
             <p:nvSpPr>
               <p:cNvPr id="17" name="İçerik Yer Tutucusu 16">
@@ -8686,13 +8529,6 @@
   <p:clrMapOvr>
     <a:masterClrMapping/>
   </p:clrMapOvr>
-  <p:timing>
-    <p:tnLst>
-      <p:par>
-        <p:cTn id="1" dur="indefinite" restart="never" nodeType="tmRoot"/>
-      </p:par>
-    </p:tnLst>
-  </p:timing>
 </p:sld>
 </file>
 
@@ -9019,8 +8855,8 @@
           </a:p>
         </p:txBody>
       </p:sp>
-      <mc:AlternateContent xmlns:mc="http://schemas.openxmlformats.org/markup-compatibility/2006">
-        <mc:Choice xmlns:a14="http://schemas.microsoft.com/office/drawing/2010/main" Requires="a14">
+      <mc:AlternateContent xmlns:mc="http://schemas.openxmlformats.org/markup-compatibility/2006" xmlns:a14="http://schemas.microsoft.com/office/drawing/2010/main">
+        <mc:Choice Requires="a14">
           <p:sp>
             <p:nvSpPr>
               <p:cNvPr id="21" name="İçerik Yer Tutucusu 20">
@@ -9420,7 +9256,7 @@
             </p:txBody>
           </p:sp>
         </mc:Choice>
-        <mc:Fallback>
+        <mc:Fallback xmlns="">
           <p:sp>
             <p:nvSpPr>
               <p:cNvPr id="21" name="İçerik Yer Tutucusu 20">
@@ -10240,13 +10076,6 @@
   <p:clrMapOvr>
     <a:masterClrMapping/>
   </p:clrMapOvr>
-  <p:timing>
-    <p:tnLst>
-      <p:par>
-        <p:cTn id="1" dur="indefinite" restart="never" nodeType="tmRoot"/>
-      </p:par>
-    </p:tnLst>
-  </p:timing>
 </p:sld>
 </file>
 
@@ -10386,13 +10215,6 @@
   <p:clrMapOvr>
     <a:masterClrMapping/>
   </p:clrMapOvr>
-  <p:timing>
-    <p:tnLst>
-      <p:par>
-        <p:cTn id="1" dur="indefinite" restart="never" nodeType="tmRoot"/>
-      </p:par>
-    </p:tnLst>
-  </p:timing>
 </p:sld>
 </file>
 
@@ -10474,8 +10296,8 @@
           </a:p>
         </p:txBody>
       </p:sp>
-      <mc:AlternateContent xmlns:mc="http://schemas.openxmlformats.org/markup-compatibility/2006">
-        <mc:Choice xmlns:a14="http://schemas.microsoft.com/office/drawing/2010/main" Requires="a14">
+      <mc:AlternateContent xmlns:mc="http://schemas.openxmlformats.org/markup-compatibility/2006" xmlns:a14="http://schemas.microsoft.com/office/drawing/2010/main">
+        <mc:Choice Requires="a14">
           <p:sp>
             <p:nvSpPr>
               <p:cNvPr id="4" name="İçerik Yer Tutucusu 3">
@@ -10594,7 +10416,7 @@
             </p:txBody>
           </p:sp>
         </mc:Choice>
-        <mc:Fallback>
+        <mc:Fallback xmlns="">
           <p:sp>
             <p:nvSpPr>
               <p:cNvPr id="4" name="İçerik Yer Tutucusu 3">
@@ -10716,13 +10538,6 @@
   <p:clrMapOvr>
     <a:masterClrMapping/>
   </p:clrMapOvr>
-  <p:timing>
-    <p:tnLst>
-      <p:par>
-        <p:cTn id="1" dur="indefinite" restart="never" nodeType="tmRoot"/>
-      </p:par>
-    </p:tnLst>
-  </p:timing>
 </p:sld>
 </file>
 
@@ -10800,7 +10615,7 @@
           <a:lstStyle/>
           <a:p>
             <a:r>
-              <a:rPr lang="tr-TR" dirty="0" smtClean="0"/>
+              <a:rPr lang="tr-TR" dirty="0"/>
               <a:t>LTC3723-1</a:t>
             </a:r>
             <a:endParaRPr lang="en-US" dirty="0"/>
@@ -10836,37 +10651,37 @@
           <a:lstStyle/>
           <a:p>
             <a:r>
-              <a:rPr lang="tr-TR" sz="1800" dirty="0" smtClean="0"/>
+              <a:rPr lang="tr-TR" sz="1800" dirty="0"/>
               <a:t>Controller + Gate Driver</a:t>
             </a:r>
           </a:p>
           <a:p>
             <a:r>
-              <a:rPr lang="tr-TR" sz="1800" dirty="0" smtClean="0"/>
+              <a:rPr lang="tr-TR" sz="1800" dirty="0"/>
               <a:t>Non-isolated – Required external isolation </a:t>
             </a:r>
           </a:p>
           <a:p>
             <a:r>
-              <a:rPr lang="tr-TR" sz="1800" dirty="0" smtClean="0"/>
+              <a:rPr lang="tr-TR" sz="1800" dirty="0"/>
               <a:t>Dead-Time control</a:t>
             </a:r>
           </a:p>
           <a:p>
             <a:r>
-              <a:rPr lang="tr-TR" sz="1800" dirty="0" smtClean="0"/>
+              <a:rPr lang="tr-TR" sz="1800" dirty="0"/>
               <a:t>Frequency control</a:t>
             </a:r>
           </a:p>
           <a:p>
             <a:r>
-              <a:rPr lang="tr-TR" sz="1800" dirty="0" smtClean="0"/>
+              <a:rPr lang="tr-TR" sz="1800" dirty="0"/>
               <a:t>Soft start property</a:t>
             </a:r>
           </a:p>
           <a:p>
             <a:r>
-              <a:rPr lang="tr-TR" sz="1800" dirty="0" smtClean="0"/>
+              <a:rPr lang="tr-TR" sz="1800" dirty="0"/>
               <a:t>2 gate synchronous drive capability</a:t>
             </a:r>
             <a:endParaRPr lang="en-US" sz="1800" dirty="0"/>
@@ -10900,7 +10715,7 @@
           <a:lstStyle/>
           <a:p>
             <a:r>
-              <a:rPr lang="tr-TR" dirty="0" smtClean="0"/>
+              <a:rPr lang="tr-TR" dirty="0"/>
               <a:t>LT1431</a:t>
             </a:r>
             <a:endParaRPr lang="en-US" dirty="0"/>
@@ -10936,13 +10751,13 @@
           <a:lstStyle/>
           <a:p>
             <a:r>
-              <a:rPr lang="tr-TR" sz="1800" dirty="0" smtClean="0"/>
+              <a:rPr lang="tr-TR" sz="1800" dirty="0"/>
               <a:t>Opto-coupler driver</a:t>
             </a:r>
           </a:p>
           <a:p>
             <a:r>
-              <a:rPr lang="tr-TR" sz="1800" dirty="0" smtClean="0"/>
+              <a:rPr lang="tr-TR" sz="1800" dirty="0"/>
               <a:t>Internal compensator design property</a:t>
             </a:r>
           </a:p>
@@ -10961,13 +10776,6 @@
   <p:clrMapOvr>
     <a:masterClrMapping/>
   </p:clrMapOvr>
-  <p:timing>
-    <p:tnLst>
-      <p:par>
-        <p:cTn id="1" dur="indefinite" restart="never" nodeType="tmRoot"/>
-      </p:par>
-    </p:tnLst>
-  </p:timing>
 </p:sld>
 </file>
 
@@ -10988,8 +10796,8 @@
           <a:chExt cx="0" cy="0"/>
         </a:xfrm>
       </p:grpSpPr>
-      <mc:AlternateContent xmlns:mc="http://schemas.openxmlformats.org/markup-compatibility/2006">
-        <mc:Choice xmlns:a14="http://schemas.microsoft.com/office/drawing/2010/main" Requires="a14">
+      <mc:AlternateContent xmlns:mc="http://schemas.openxmlformats.org/markup-compatibility/2006" xmlns:a14="http://schemas.microsoft.com/office/drawing/2010/main">
+        <mc:Choice Requires="a14">
           <p:sp>
             <p:nvSpPr>
               <p:cNvPr id="7" name="İçerik Yer Tutucusu 6">
@@ -11022,12 +10830,8 @@
                   <a:buNone/>
                 </a:pPr>
                 <a:r>
-                  <a:rPr lang="en-US" dirty="0" smtClean="0"/>
-                  <a:t>MOSFETs </a:t>
-                </a:r>
-                <a:r>
                   <a:rPr lang="en-US" dirty="0"/>
-                  <a:t>(Calculated for One):</a:t>
+                  <a:t>MOSFETs (Calculated for One):</a:t>
                 </a:r>
                 <a:endParaRPr lang="tr-TR" dirty="0"/>
               </a:p>
@@ -12037,7 +11841,7 @@
             </p:txBody>
           </p:sp>
         </mc:Choice>
-        <mc:Fallback>
+        <mc:Fallback xmlns="">
           <p:sp>
             <p:nvSpPr>
               <p:cNvPr id="7" name="İçerik Yer Tutucusu 6">
@@ -12126,13 +11930,6 @@
   <p:clrMapOvr>
     <a:masterClrMapping/>
   </p:clrMapOvr>
-  <p:timing>
-    <p:tnLst>
-      <p:par>
-        <p:cTn id="1" dur="indefinite" restart="never" nodeType="tmRoot"/>
-      </p:par>
-    </p:tnLst>
-  </p:timing>
 </p:sld>
 </file>
 
@@ -12277,19 +12074,15 @@
                     </m:oMath>
                   </m:oMathPara>
                 </a14:m>
-                <a:endParaRPr lang="tr-TR" dirty="0" smtClean="0"/>
+                <a:endParaRPr lang="tr-TR" dirty="0"/>
               </a:p>
               <a:p>
                 <a:pPr marL="0" indent="0">
                   <a:buNone/>
                 </a:pPr>
                 <a:r>
-                  <a:rPr lang="en-US" dirty="0" smtClean="0"/>
-                  <a:t>Diodes </a:t>
-                </a:r>
-                <a:r>
                   <a:rPr lang="en-US" dirty="0"/>
-                  <a:t>(Calculated for One):</a:t>
+                  <a:t>Diodes (Calculated for One):</a:t>
                 </a:r>
                 <a:endParaRPr lang="tr-TR" dirty="0"/>
               </a:p>
@@ -12335,10 +12128,10 @@
                         <m:t>=</m:t>
                       </m:r>
                       <m:r>
-                        <a:rPr lang="en-US" i="1">
+                        <a:rPr lang="en-US" b="0" i="1" smtClean="0">
                           <a:latin typeface="Cambria Math" panose="02040503050406030204" pitchFamily="18" charset="0"/>
                         </a:rPr>
-                        <m:t>𝐼</m:t>
+                        <m:t>0.6</m:t>
                       </m:r>
                       <m:r>
                         <a:rPr lang="en-US" i="1">
@@ -12356,10 +12149,10 @@
                         </m:sSubPr>
                         <m:e>
                           <m:r>
-                            <a:rPr lang="en-US" i="1">
-                              <a:latin typeface="Cambria Math" panose="02040503050406030204" pitchFamily="18" charset="0"/>
-                            </a:rPr>
-                            <m:t>𝑉</m:t>
+                            <a:rPr lang="en-US" b="0" i="1" smtClean="0">
+                              <a:latin typeface="Cambria Math" panose="02040503050406030204" pitchFamily="18" charset="0"/>
+                            </a:rPr>
+                            <m:t>𝐼</m:t>
                           </m:r>
                         </m:e>
                         <m:sub>
@@ -12369,8 +12162,82 @@
                             </a:rPr>
                             <m:t>𝑓</m:t>
                           </m:r>
+                          <m:d>
+                            <m:dPr>
+                              <m:ctrlPr>
+                                <a:rPr lang="en-US" b="0" i="1" smtClean="0">
+                                  <a:latin typeface="Cambria Math" panose="02040503050406030204" pitchFamily="18" charset="0"/>
+                                </a:rPr>
+                              </m:ctrlPr>
+                            </m:dPr>
+                            <m:e>
+                              <m:r>
+                                <a:rPr lang="en-US" b="0" i="1" smtClean="0">
+                                  <a:latin typeface="Cambria Math" panose="02040503050406030204" pitchFamily="18" charset="0"/>
+                                </a:rPr>
+                                <m:t>𝐴𝑉</m:t>
+                              </m:r>
+                            </m:e>
+                          </m:d>
                         </m:sub>
                       </m:sSub>
+                      <m:r>
+                        <a:rPr lang="en-US" b="0" i="1" smtClean="0">
+                          <a:latin typeface="Cambria Math" panose="02040503050406030204" pitchFamily="18" charset="0"/>
+                        </a:rPr>
+                        <m:t>+0.00367∗</m:t>
+                      </m:r>
+                      <m:sSubSup>
+                        <m:sSubSupPr>
+                          <m:ctrlPr>
+                            <a:rPr lang="en-US" b="0" i="1" smtClean="0">
+                              <a:latin typeface="Cambria Math" panose="02040503050406030204" pitchFamily="18" charset="0"/>
+                            </a:rPr>
+                          </m:ctrlPr>
+                        </m:sSubSupPr>
+                        <m:e>
+                          <m:r>
+                            <a:rPr lang="en-US" b="0" i="1" smtClean="0">
+                              <a:latin typeface="Cambria Math" panose="02040503050406030204" pitchFamily="18" charset="0"/>
+                            </a:rPr>
+                            <m:t>𝐼</m:t>
+                          </m:r>
+                        </m:e>
+                        <m:sub>
+                          <m:r>
+                            <a:rPr lang="en-US" b="0" i="1" smtClean="0">
+                              <a:latin typeface="Cambria Math" panose="02040503050406030204" pitchFamily="18" charset="0"/>
+                            </a:rPr>
+                            <m:t>𝑓</m:t>
+                          </m:r>
+                          <m:r>
+                            <a:rPr lang="en-US" b="0" i="1" smtClean="0">
+                              <a:latin typeface="Cambria Math" panose="02040503050406030204" pitchFamily="18" charset="0"/>
+                            </a:rPr>
+                            <m:t>(</m:t>
+                          </m:r>
+                          <m:r>
+                            <a:rPr lang="en-US" b="0" i="1" smtClean="0">
+                              <a:latin typeface="Cambria Math" panose="02040503050406030204" pitchFamily="18" charset="0"/>
+                            </a:rPr>
+                            <m:t>𝑟𝑚𝑠</m:t>
+                          </m:r>
+                          <m:r>
+                            <a:rPr lang="en-US" b="0" i="1" smtClean="0">
+                              <a:latin typeface="Cambria Math" panose="02040503050406030204" pitchFamily="18" charset="0"/>
+                            </a:rPr>
+                            <m:t>)</m:t>
+                          </m:r>
+                        </m:sub>
+                        <m:sup>
+                          <m:r>
+                            <a:rPr lang="en-US" b="0" i="1" smtClean="0">
+                              <a:latin typeface="Cambria Math" panose="02040503050406030204" pitchFamily="18" charset="0"/>
+                            </a:rPr>
+                            <m:t>2</m:t>
+                          </m:r>
+                        </m:sup>
+                      </m:sSubSup>
                     </m:oMath>
                   </m:oMathPara>
                 </a14:m>
@@ -12425,8 +12292,39 @@
                         <a:rPr lang="en-US" i="1">
                           <a:latin typeface="Cambria Math" panose="02040503050406030204" pitchFamily="18" charset="0"/>
                         </a:rPr>
-                        <m:t>=8.333∗0.56</m:t>
+                        <m:t>=</m:t>
                       </m:r>
+                      <m:r>
+                        <a:rPr lang="en-US" b="0" i="1" smtClean="0">
+                          <a:latin typeface="Cambria Math" panose="02040503050406030204" pitchFamily="18" charset="0"/>
+                        </a:rPr>
+                        <m:t>0.6∗4.165 +0.00367∗</m:t>
+                      </m:r>
+                      <m:sSup>
+                        <m:sSupPr>
+                          <m:ctrlPr>
+                            <a:rPr lang="en-US" b="0" i="1" smtClean="0">
+                              <a:latin typeface="Cambria Math" panose="02040503050406030204" pitchFamily="18" charset="0"/>
+                            </a:rPr>
+                          </m:ctrlPr>
+                        </m:sSupPr>
+                        <m:e>
+                          <m:r>
+                            <a:rPr lang="en-US" b="0" i="1" smtClean="0">
+                              <a:latin typeface="Cambria Math" panose="02040503050406030204" pitchFamily="18" charset="0"/>
+                            </a:rPr>
+                            <m:t>5.592</m:t>
+                          </m:r>
+                        </m:e>
+                        <m:sup>
+                          <m:r>
+                            <a:rPr lang="en-US" b="0" i="1" smtClean="0">
+                              <a:latin typeface="Cambria Math" panose="02040503050406030204" pitchFamily="18" charset="0"/>
+                            </a:rPr>
+                            <m:t>2</m:t>
+                          </m:r>
+                        </m:sup>
+                      </m:sSup>
                     </m:oMath>
                   </m:oMathPara>
                 </a14:m>
@@ -12481,7 +12379,19 @@
                         <a:rPr lang="en-US" i="1">
                           <a:latin typeface="Cambria Math" panose="02040503050406030204" pitchFamily="18" charset="0"/>
                         </a:rPr>
-                        <m:t>=4.67 </m:t>
+                        <m:t>=</m:t>
+                      </m:r>
+                      <m:r>
+                        <a:rPr lang="en-US" b="0" i="1" smtClean="0">
+                          <a:latin typeface="Cambria Math" panose="02040503050406030204" pitchFamily="18" charset="0"/>
+                        </a:rPr>
+                        <m:t>2.613</m:t>
+                      </m:r>
+                      <m:r>
+                        <a:rPr lang="en-US" i="1">
+                          <a:latin typeface="Cambria Math" panose="02040503050406030204" pitchFamily="18" charset="0"/>
+                        </a:rPr>
+                        <m:t> </m:t>
                       </m:r>
                       <m:r>
                         <a:rPr lang="en-US" i="1">
@@ -12875,7 +12785,7 @@
               <a:blipFill>
                 <a:blip r:embed="rId2"/>
                 <a:stretch>
-                  <a:fillRect l="-522" t="-2133"/>
+                  <a:fillRect l="-603" t="-2217"/>
                 </a:stretch>
               </a:blipFill>
             </p:spPr>
@@ -12884,7 +12794,7 @@
               <a:lstStyle/>
               <a:p>
                 <a:r>
-                  <a:rPr lang="tr-TR">
+                  <a:rPr lang="en-US">
                     <a:noFill/>
                   </a:rPr>
                   <a:t> </a:t>
@@ -12904,13 +12814,6 @@
   <p:clrMapOvr>
     <a:masterClrMapping/>
   </p:clrMapOvr>
-  <p:timing>
-    <p:tnLst>
-      <p:par>
-        <p:cTn id="1" dur="indefinite" restart="never" nodeType="tmRoot"/>
-      </p:par>
-    </p:tnLst>
-  </p:timing>
 </p:sld>
 </file>
 
@@ -12995,7 +12898,7 @@
               </a:lnSpc>
             </a:pPr>
             <a:r>
-              <a:rPr lang="tr-TR" sz="1800" dirty="0" smtClean="0"/>
+              <a:rPr lang="tr-TR" sz="1800" dirty="0"/>
               <a:t>Flyback</a:t>
             </a:r>
           </a:p>
@@ -13006,7 +12909,7 @@
               </a:lnSpc>
             </a:pPr>
             <a:r>
-              <a:rPr lang="tr-TR" sz="1800" dirty="0" smtClean="0"/>
+              <a:rPr lang="tr-TR" sz="1800" dirty="0"/>
               <a:t>Forward</a:t>
             </a:r>
           </a:p>
@@ -13017,7 +12920,7 @@
               </a:lnSpc>
             </a:pPr>
             <a:r>
-              <a:rPr lang="tr-TR" sz="1800" dirty="0" smtClean="0"/>
+              <a:rPr lang="tr-TR" sz="1800" dirty="0"/>
               <a:t>Half Bridge</a:t>
             </a:r>
           </a:p>
@@ -13028,7 +12931,7 @@
               </a:lnSpc>
             </a:pPr>
             <a:r>
-              <a:rPr lang="tr-TR" sz="1800" dirty="0" smtClean="0"/>
+              <a:rPr lang="tr-TR" sz="1800" dirty="0"/>
               <a:t>Full Bridge</a:t>
             </a:r>
           </a:p>
@@ -13039,7 +12942,7 @@
               </a:lnSpc>
             </a:pPr>
             <a:r>
-              <a:rPr lang="tr-TR" sz="1800" dirty="0" smtClean="0"/>
+              <a:rPr lang="tr-TR" sz="1800" dirty="0"/>
               <a:t>Push – Pull </a:t>
             </a:r>
             <a:endParaRPr lang="en-US" sz="1800" dirty="0"/>
@@ -13056,13 +12959,6 @@
   <p:clrMapOvr>
     <a:masterClrMapping/>
   </p:clrMapOvr>
-  <p:timing>
-    <p:tnLst>
-      <p:par>
-        <p:cTn id="1" dur="indefinite" restart="never" nodeType="tmRoot"/>
-      </p:par>
-    </p:tnLst>
-  </p:timing>
 </p:sld>
 </file>
 
@@ -13108,13 +13004,13 @@
           <a:p>
             <a:r>
               <a:rPr lang="en-US" sz="2400" dirty="0"/>
-              <a:t>Thermal Analysis</a:t>
+              <a:t>Thermal Analysis - MOSFET</a:t>
             </a:r>
           </a:p>
         </p:txBody>
       </p:sp>
-      <mc:AlternateContent xmlns:mc="http://schemas.openxmlformats.org/markup-compatibility/2006">
-        <mc:Choice xmlns:a14="http://schemas.microsoft.com/office/drawing/2010/main" Requires="a14">
+      <mc:AlternateContent xmlns:mc="http://schemas.openxmlformats.org/markup-compatibility/2006" xmlns:a14="http://schemas.microsoft.com/office/drawing/2010/main">
+        <mc:Choice Requires="a14">
           <p:sp>
             <p:nvSpPr>
               <p:cNvPr id="5" name="İçerik Yer Tutucusu 4">
@@ -13204,7 +13100,7 @@
             </p:txBody>
           </p:sp>
         </mc:Choice>
-        <mc:Fallback>
+        <mc:Fallback xmlns="">
           <p:sp>
             <p:nvSpPr>
               <p:cNvPr id="5" name="İçerik Yer Tutucusu 4">
@@ -13536,109 +13432,6 @@
   <p:clrMapOvr>
     <a:masterClrMapping/>
   </p:clrMapOvr>
-  <p:timing>
-    <p:tnLst>
-      <p:par>
-        <p:cTn id="1" dur="indefinite" restart="never" nodeType="tmRoot"/>
-      </p:par>
-    </p:tnLst>
-  </p:timing>
-</p:sld>
-</file>
-
-<file path=ppt/slides/slide31.xml><?xml version="1.0" encoding="utf-8"?>
-<p:sld xmlns:a="http://schemas.openxmlformats.org/drawingml/2006/main" xmlns:r="http://schemas.openxmlformats.org/officeDocument/2006/relationships" xmlns:p="http://schemas.openxmlformats.org/presentationml/2006/main">
-  <p:cSld>
-    <p:spTree>
-      <p:nvGrpSpPr>
-        <p:cNvPr id="1" name=""/>
-        <p:cNvGrpSpPr/>
-        <p:nvPr/>
-      </p:nvGrpSpPr>
-      <p:grpSpPr>
-        <a:xfrm>
-          <a:off x="0" y="0"/>
-          <a:ext cx="0" cy="0"/>
-          <a:chOff x="0" y="0"/>
-          <a:chExt cx="0" cy="0"/>
-        </a:xfrm>
-      </p:grpSpPr>
-      <p:pic>
-        <p:nvPicPr>
-          <p:cNvPr id="4" name="Picture 3"/>
-          <p:cNvPicPr>
-            <a:picLocks noChangeAspect="1"/>
-          </p:cNvPicPr>
-          <p:nvPr/>
-        </p:nvPicPr>
-        <p:blipFill>
-          <a:blip r:embed="rId2"/>
-          <a:stretch>
-            <a:fillRect/>
-          </a:stretch>
-        </p:blipFill>
-        <p:spPr>
-          <a:xfrm>
-            <a:off x="2737932" y="1991110"/>
-            <a:ext cx="6716136" cy="2343146"/>
-          </a:xfrm>
-          <a:prstGeom prst="rect">
-            <a:avLst/>
-          </a:prstGeom>
-        </p:spPr>
-      </p:pic>
-      <p:sp>
-        <p:nvSpPr>
-          <p:cNvPr id="5" name="Başlık 1">
-            <a:extLst>
-              <a:ext uri="{FF2B5EF4-FFF2-40B4-BE49-F238E27FC236}">
-                <a16:creationId xmlns:a16="http://schemas.microsoft.com/office/drawing/2014/main" id="{F35F39B9-18EB-CF46-AB6C-46408AD40CCC}"/>
-              </a:ext>
-            </a:extLst>
-          </p:cNvPr>
-          <p:cNvSpPr>
-            <a:spLocks noGrp="1"/>
-          </p:cNvSpPr>
-          <p:nvPr>
-            <p:ph type="title"/>
-          </p:nvPr>
-        </p:nvSpPr>
-        <p:spPr>
-          <a:xfrm>
-            <a:off x="838200" y="365125"/>
-            <a:ext cx="10515600" cy="1325563"/>
-          </a:xfrm>
-        </p:spPr>
-        <p:txBody>
-          <a:bodyPr>
-            <a:normAutofit/>
-          </a:bodyPr>
-          <a:lstStyle/>
-          <a:p>
-            <a:r>
-              <a:rPr lang="en-US" sz="2400" dirty="0"/>
-              <a:t>Thermal Analysis</a:t>
-            </a:r>
-          </a:p>
-        </p:txBody>
-      </p:sp>
-    </p:spTree>
-    <p:extLst>
-      <p:ext uri="{BB962C8B-B14F-4D97-AF65-F5344CB8AC3E}">
-        <p14:creationId xmlns:p14="http://schemas.microsoft.com/office/powerpoint/2010/main" val="1191229160"/>
-      </p:ext>
-    </p:extLst>
-  </p:cSld>
-  <p:clrMapOvr>
-    <a:masterClrMapping/>
-  </p:clrMapOvr>
-  <p:timing>
-    <p:tnLst>
-      <p:par>
-        <p:cTn id="1" dur="indefinite" restart="never" nodeType="tmRoot"/>
-      </p:par>
-    </p:tnLst>
-  </p:timing>
 </p:sld>
 </file>
 
@@ -13684,13 +13477,8 @@
           <a:p>
             <a:r>
               <a:rPr lang="en-US" sz="2400" dirty="0"/>
-              <a:t>Topology </a:t>
-            </a:r>
-            <a:r>
-              <a:rPr lang="en-US" sz="2400" dirty="0" smtClean="0"/>
-              <a:t>Selection</a:t>
-            </a:r>
-            <a:endParaRPr lang="en-US" sz="2400" dirty="0"/>
+              <a:t>Topology Selection</a:t>
+            </a:r>
           </a:p>
         </p:txBody>
       </p:sp>
@@ -13730,7 +13518,7 @@
               <a:buChar char="v"/>
             </a:pPr>
             <a:r>
-              <a:rPr lang="tr-TR" sz="1800" i="1" dirty="0" smtClean="0"/>
+              <a:rPr lang="tr-TR" sz="1800" i="1" dirty="0"/>
               <a:t> Flyback</a:t>
             </a:r>
           </a:p>
@@ -13741,7 +13529,7 @@
               </a:lnSpc>
               <a:buNone/>
             </a:pPr>
-            <a:endParaRPr lang="tr-TR" sz="1800" i="1" dirty="0" smtClean="0"/>
+            <a:endParaRPr lang="tr-TR" sz="1800" i="1" dirty="0"/>
           </a:p>
           <a:p>
             <a:pPr marL="0" indent="0">
@@ -13751,7 +13539,7 @@
               <a:buNone/>
             </a:pPr>
             <a:r>
-              <a:rPr lang="tr-TR" sz="1800" i="1" dirty="0" smtClean="0"/>
+              <a:rPr lang="tr-TR" sz="1800" i="1" dirty="0"/>
               <a:t>Advantages:</a:t>
             </a:r>
           </a:p>
@@ -13762,7 +13550,7 @@
               </a:lnSpc>
             </a:pPr>
             <a:r>
-              <a:rPr lang="tr-TR" sz="1800" dirty="0" smtClean="0"/>
+              <a:rPr lang="tr-TR" sz="1800" dirty="0"/>
               <a:t>Less component requirement, no output inductance </a:t>
             </a:r>
           </a:p>
@@ -13773,7 +13561,7 @@
               </a:lnSpc>
               <a:buNone/>
             </a:pPr>
-            <a:endParaRPr lang="tr-TR" sz="1800" dirty="0" smtClean="0"/>
+            <a:endParaRPr lang="tr-TR" sz="1800" dirty="0"/>
           </a:p>
           <a:p>
             <a:pPr marL="0" indent="0">
@@ -13783,7 +13571,7 @@
               <a:buNone/>
             </a:pPr>
             <a:r>
-              <a:rPr lang="tr-TR" sz="1800" i="1" dirty="0" smtClean="0"/>
+              <a:rPr lang="tr-TR" sz="1800" i="1" dirty="0"/>
               <a:t>Disadvantages:</a:t>
             </a:r>
           </a:p>
@@ -13794,7 +13582,7 @@
               </a:lnSpc>
             </a:pPr>
             <a:r>
-              <a:rPr lang="tr-TR" sz="1800" dirty="0" smtClean="0"/>
+              <a:rPr lang="tr-TR" sz="1800" dirty="0"/>
               <a:t>Big output capacitor requirement</a:t>
             </a:r>
           </a:p>
@@ -13805,7 +13593,7 @@
               </a:lnSpc>
             </a:pPr>
             <a:r>
-              <a:rPr lang="tr-TR" sz="1800" dirty="0" smtClean="0"/>
+              <a:rPr lang="tr-TR" sz="1800" dirty="0"/>
               <a:t>Narrow closed loop bandwidth</a:t>
             </a:r>
           </a:p>
@@ -13815,7 +13603,7 @@
                 <a:spcPct val="100000"/>
               </a:lnSpc>
             </a:pPr>
-            <a:endParaRPr lang="tr-TR" sz="1800" dirty="0" smtClean="0"/>
+            <a:endParaRPr lang="tr-TR" sz="1800" dirty="0"/>
           </a:p>
         </p:txBody>
       </p:sp>
@@ -13829,13 +13617,6 @@
   <p:clrMapOvr>
     <a:masterClrMapping/>
   </p:clrMapOvr>
-  <p:timing>
-    <p:tnLst>
-      <p:par>
-        <p:cTn id="1" dur="indefinite" restart="never" nodeType="tmRoot"/>
-      </p:par>
-    </p:tnLst>
-  </p:timing>
 </p:sld>
 </file>
 
@@ -13881,13 +13662,8 @@
           <a:p>
             <a:r>
               <a:rPr lang="en-US" sz="2400" dirty="0"/>
-              <a:t>Topology </a:t>
-            </a:r>
-            <a:r>
-              <a:rPr lang="en-US" sz="2400" dirty="0" smtClean="0"/>
-              <a:t>Selection</a:t>
-            </a:r>
-            <a:endParaRPr lang="en-US" sz="2400" dirty="0"/>
+              <a:t>Topology Selection</a:t>
+            </a:r>
           </a:p>
         </p:txBody>
       </p:sp>
@@ -13927,7 +13703,7 @@
               <a:buChar char="v"/>
             </a:pPr>
             <a:r>
-              <a:rPr lang="tr-TR" sz="1800" i="1" dirty="0" smtClean="0"/>
+              <a:rPr lang="tr-TR" sz="1800" i="1" dirty="0"/>
               <a:t> Forward</a:t>
             </a:r>
           </a:p>
@@ -13938,7 +13714,7 @@
               </a:lnSpc>
               <a:buNone/>
             </a:pPr>
-            <a:endParaRPr lang="tr-TR" sz="1800" i="1" dirty="0" smtClean="0"/>
+            <a:endParaRPr lang="tr-TR" sz="1800" i="1" dirty="0"/>
           </a:p>
           <a:p>
             <a:pPr marL="0" indent="0">
@@ -13948,7 +13724,7 @@
               <a:buNone/>
             </a:pPr>
             <a:r>
-              <a:rPr lang="tr-TR" sz="1800" i="1" dirty="0" smtClean="0"/>
+              <a:rPr lang="tr-TR" sz="1800" i="1" dirty="0"/>
               <a:t>Advantages:</a:t>
             </a:r>
           </a:p>
@@ -13959,7 +13735,7 @@
               </a:lnSpc>
             </a:pPr>
             <a:r>
-              <a:rPr lang="tr-TR" sz="1800" dirty="0" smtClean="0"/>
+              <a:rPr lang="tr-TR" sz="1800" dirty="0"/>
               <a:t>One switching element</a:t>
             </a:r>
           </a:p>
@@ -13970,7 +13746,7 @@
               </a:lnSpc>
               <a:buNone/>
             </a:pPr>
-            <a:endParaRPr lang="tr-TR" sz="1800" dirty="0" smtClean="0"/>
+            <a:endParaRPr lang="tr-TR" sz="1800" dirty="0"/>
           </a:p>
           <a:p>
             <a:pPr marL="0" indent="0">
@@ -13980,7 +13756,7 @@
               <a:buNone/>
             </a:pPr>
             <a:r>
-              <a:rPr lang="tr-TR" sz="1800" i="1" dirty="0" smtClean="0"/>
+              <a:rPr lang="tr-TR" sz="1800" i="1" dirty="0"/>
               <a:t>Disadvantages:</a:t>
             </a:r>
           </a:p>
@@ -13991,7 +13767,7 @@
               </a:lnSpc>
             </a:pPr>
             <a:r>
-              <a:rPr lang="tr-TR" sz="1800" dirty="0" smtClean="0"/>
+              <a:rPr lang="tr-TR" sz="1800" dirty="0"/>
               <a:t>Transformer utilization factor is not sufficient</a:t>
             </a:r>
           </a:p>
@@ -14001,7 +13777,7 @@
                 <a:spcPct val="100000"/>
               </a:lnSpc>
             </a:pPr>
-            <a:endParaRPr lang="tr-TR" sz="1800" dirty="0" smtClean="0"/>
+            <a:endParaRPr lang="tr-TR" sz="1800" dirty="0"/>
           </a:p>
         </p:txBody>
       </p:sp>
@@ -14015,13 +13791,6 @@
   <p:clrMapOvr>
     <a:masterClrMapping/>
   </p:clrMapOvr>
-  <p:timing>
-    <p:tnLst>
-      <p:par>
-        <p:cTn id="1" dur="indefinite" restart="never" nodeType="tmRoot"/>
-      </p:par>
-    </p:tnLst>
-  </p:timing>
 </p:sld>
 </file>
 
@@ -14067,13 +13836,8 @@
           <a:p>
             <a:r>
               <a:rPr lang="en-US" sz="2400" dirty="0"/>
-              <a:t>Topology </a:t>
-            </a:r>
-            <a:r>
-              <a:rPr lang="en-US" sz="2400" dirty="0" smtClean="0"/>
-              <a:t>Selection</a:t>
-            </a:r>
-            <a:endParaRPr lang="en-US" sz="2400" dirty="0"/>
+              <a:t>Topology Selection</a:t>
+            </a:r>
           </a:p>
         </p:txBody>
       </p:sp>
@@ -14113,7 +13877,7 @@
               <a:buChar char="v"/>
             </a:pPr>
             <a:r>
-              <a:rPr lang="tr-TR" sz="1800" i="1" dirty="0" smtClean="0"/>
+              <a:rPr lang="tr-TR" sz="1800" i="1" dirty="0"/>
               <a:t> Half Bridge</a:t>
             </a:r>
           </a:p>
@@ -14135,7 +13899,7 @@
               <a:buFont typeface="Wingdings" panose="05000000000000000000" pitchFamily="2" charset="2"/>
               <a:buChar char="v"/>
             </a:pPr>
-            <a:endParaRPr lang="tr-TR" sz="1800" i="1" dirty="0" smtClean="0"/>
+            <a:endParaRPr lang="tr-TR" sz="1800" i="1" dirty="0"/>
           </a:p>
           <a:p>
             <a:pPr marL="0" indent="0">
@@ -14144,7 +13908,7 @@
               </a:lnSpc>
               <a:buNone/>
             </a:pPr>
-            <a:endParaRPr lang="tr-TR" sz="1800" i="1" dirty="0" smtClean="0"/>
+            <a:endParaRPr lang="tr-TR" sz="1800" i="1" dirty="0"/>
           </a:p>
           <a:p>
             <a:pPr>
@@ -14155,10 +13919,9 @@
               <a:buChar char="v"/>
             </a:pPr>
             <a:r>
-              <a:rPr lang="tr-TR" sz="1800" i="1" dirty="0" smtClean="0"/>
+              <a:rPr lang="tr-TR" sz="1800" i="1" dirty="0"/>
               <a:t>Full Bridge</a:t>
             </a:r>
-            <a:endParaRPr lang="tr-TR" sz="1800" i="1" dirty="0" smtClean="0"/>
           </a:p>
           <a:p>
             <a:pPr marL="0" indent="0">
@@ -14167,7 +13930,7 @@
               </a:lnSpc>
               <a:buNone/>
             </a:pPr>
-            <a:endParaRPr lang="tr-TR" sz="1800" i="1" dirty="0" smtClean="0"/>
+            <a:endParaRPr lang="tr-TR" sz="1800" i="1" dirty="0"/>
           </a:p>
           <a:p>
             <a:pPr marL="0" indent="0">
@@ -14176,7 +13939,7 @@
               </a:lnSpc>
               <a:buNone/>
             </a:pPr>
-            <a:endParaRPr lang="tr-TR" sz="1800" dirty="0" smtClean="0"/>
+            <a:endParaRPr lang="tr-TR" sz="1800" dirty="0"/>
           </a:p>
         </p:txBody>
       </p:sp>
@@ -14190,13 +13953,6 @@
   <p:clrMapOvr>
     <a:masterClrMapping/>
   </p:clrMapOvr>
-  <p:timing>
-    <p:tnLst>
-      <p:par>
-        <p:cTn id="1" dur="indefinite" restart="never" nodeType="tmRoot"/>
-      </p:par>
-    </p:tnLst>
-  </p:timing>
 </p:sld>
 </file>
 
@@ -14242,13 +13998,8 @@
           <a:p>
             <a:r>
               <a:rPr lang="en-US" sz="2400" dirty="0"/>
-              <a:t>Topology </a:t>
-            </a:r>
-            <a:r>
-              <a:rPr lang="en-US" sz="2400" dirty="0" smtClean="0"/>
-              <a:t>Selection</a:t>
-            </a:r>
-            <a:endParaRPr lang="en-US" sz="2400" dirty="0"/>
+              <a:t>Topology Selection</a:t>
+            </a:r>
           </a:p>
         </p:txBody>
       </p:sp>
@@ -14288,7 +14039,7 @@
               <a:buChar char="v"/>
             </a:pPr>
             <a:r>
-              <a:rPr lang="tr-TR" sz="1800" i="1" dirty="0" smtClean="0"/>
+              <a:rPr lang="tr-TR" sz="1800" i="1" dirty="0"/>
               <a:t>Push Pull</a:t>
             </a:r>
           </a:p>
@@ -14299,7 +14050,7 @@
               </a:lnSpc>
               <a:buNone/>
             </a:pPr>
-            <a:endParaRPr lang="tr-TR" sz="1800" i="1" dirty="0" smtClean="0"/>
+            <a:endParaRPr lang="tr-TR" sz="1800" i="1" dirty="0"/>
           </a:p>
           <a:p>
             <a:pPr marL="0" indent="0">
@@ -14309,7 +14060,7 @@
               <a:buNone/>
             </a:pPr>
             <a:r>
-              <a:rPr lang="tr-TR" sz="1800" i="1" dirty="0" smtClean="0"/>
+              <a:rPr lang="tr-TR" sz="1800" i="1" dirty="0"/>
               <a:t>Advantages:</a:t>
             </a:r>
           </a:p>
@@ -14320,7 +14071,7 @@
               </a:lnSpc>
             </a:pPr>
             <a:r>
-              <a:rPr lang="tr-TR" sz="1800" dirty="0" smtClean="0"/>
+              <a:rPr lang="tr-TR" sz="1800" dirty="0"/>
               <a:t>Better transformer utilization </a:t>
             </a:r>
           </a:p>
@@ -14331,7 +14082,7 @@
               </a:lnSpc>
             </a:pPr>
             <a:r>
-              <a:rPr lang="tr-TR" sz="1400" dirty="0" smtClean="0"/>
+              <a:rPr lang="tr-TR" sz="1400" dirty="0"/>
               <a:t>Core size is small compared to others</a:t>
             </a:r>
           </a:p>
@@ -14342,7 +14093,7 @@
               </a:lnSpc>
             </a:pPr>
             <a:r>
-              <a:rPr lang="tr-TR" sz="1400" dirty="0" smtClean="0"/>
+              <a:rPr lang="tr-TR" sz="1400" dirty="0"/>
               <a:t>Transformer ratings are smaller </a:t>
             </a:r>
           </a:p>
@@ -14353,7 +14104,7 @@
               </a:lnSpc>
             </a:pPr>
             <a:r>
-              <a:rPr lang="tr-TR" sz="1800" dirty="0" smtClean="0"/>
+              <a:rPr lang="tr-TR" sz="1800" dirty="0"/>
               <a:t>Small output filter requirement</a:t>
             </a:r>
           </a:p>
@@ -14364,7 +14115,7 @@
               </a:lnSpc>
               <a:buNone/>
             </a:pPr>
-            <a:endParaRPr lang="tr-TR" sz="1800" dirty="0" smtClean="0"/>
+            <a:endParaRPr lang="tr-TR" sz="1800" dirty="0"/>
           </a:p>
           <a:p>
             <a:pPr marL="0" indent="0">
@@ -14374,7 +14125,7 @@
               <a:buNone/>
             </a:pPr>
             <a:r>
-              <a:rPr lang="tr-TR" sz="1800" i="1" dirty="0" smtClean="0"/>
+              <a:rPr lang="tr-TR" sz="1800" i="1" dirty="0"/>
               <a:t>Disadvantages:</a:t>
             </a:r>
           </a:p>
@@ -14385,7 +14136,7 @@
               </a:lnSpc>
             </a:pPr>
             <a:r>
-              <a:rPr lang="tr-TR" sz="1800" dirty="0" smtClean="0"/>
+              <a:rPr lang="tr-TR" sz="1800" dirty="0"/>
               <a:t>Transformer utilization factor is not sufficient</a:t>
             </a:r>
           </a:p>
@@ -14395,7 +14146,7 @@
                 <a:spcPct val="100000"/>
               </a:lnSpc>
             </a:pPr>
-            <a:endParaRPr lang="tr-TR" sz="1800" dirty="0" smtClean="0"/>
+            <a:endParaRPr lang="tr-TR" sz="1800" dirty="0"/>
           </a:p>
         </p:txBody>
       </p:sp>
@@ -14409,13 +14160,6 @@
   <p:clrMapOvr>
     <a:masterClrMapping/>
   </p:clrMapOvr>
-  <p:timing>
-    <p:tnLst>
-      <p:par>
-        <p:cTn id="1" dur="indefinite" restart="never" nodeType="tmRoot"/>
-      </p:par>
-    </p:tnLst>
-  </p:timing>
 </p:sld>
 </file>
 
@@ -14538,8 +14282,8 @@
           </a:p>
         </p:txBody>
       </p:sp>
-      <mc:AlternateContent xmlns:mc="http://schemas.openxmlformats.org/markup-compatibility/2006">
-        <mc:Choice xmlns:a14="http://schemas.microsoft.com/office/drawing/2010/main" Requires="a14">
+      <mc:AlternateContent xmlns:mc="http://schemas.openxmlformats.org/markup-compatibility/2006" xmlns:a14="http://schemas.microsoft.com/office/drawing/2010/main">
+        <mc:Choice Requires="a14">
           <p:sp>
             <p:nvSpPr>
               <p:cNvPr id="26" name="İçerik Yer Tutucusu 25">
@@ -15028,7 +14772,7 @@
             </p:txBody>
           </p:sp>
         </mc:Choice>
-        <mc:Fallback>
+        <mc:Fallback xmlns="">
           <p:sp>
             <p:nvSpPr>
               <p:cNvPr id="26" name="İçerik Yer Tutucusu 25">
@@ -15624,13 +15368,6 @@
   <p:clrMapOvr>
     <a:masterClrMapping/>
   </p:clrMapOvr>
-  <p:timing>
-    <p:tnLst>
-      <p:par>
-        <p:cTn id="1" dur="indefinite" restart="never" nodeType="tmRoot"/>
-      </p:par>
-    </p:tnLst>
-  </p:timing>
 </p:sld>
 </file>
 
@@ -16507,8 +16244,8 @@
           </p:sp>
         </mc:Fallback>
       </mc:AlternateContent>
-      <mc:AlternateContent xmlns:mc="http://schemas.openxmlformats.org/markup-compatibility/2006">
-        <mc:Choice xmlns:a14="http://schemas.microsoft.com/office/drawing/2010/main" Requires="a14">
+      <mc:AlternateContent xmlns:mc="http://schemas.openxmlformats.org/markup-compatibility/2006" xmlns:a14="http://schemas.microsoft.com/office/drawing/2010/main">
+        <mc:Choice Requires="a14">
           <p:sp>
             <p:nvSpPr>
               <p:cNvPr id="18" name="Dikdörtgen 17">
@@ -17154,7 +16891,7 @@
             </p:txBody>
           </p:sp>
         </mc:Choice>
-        <mc:Fallback>
+        <mc:Fallback xmlns="">
           <p:sp>
             <p:nvSpPr>
               <p:cNvPr id="18" name="Dikdörtgen 17">

--- a/EE464_Proje_Sunu.pptx
+++ b/EE464_Proje_Sunu.pptx
@@ -25,16 +25,22 @@
     <p:sldId id="280" r:id="rId19"/>
     <p:sldId id="285" r:id="rId20"/>
     <p:sldId id="282" r:id="rId21"/>
-    <p:sldId id="265" r:id="rId22"/>
-    <p:sldId id="266" r:id="rId23"/>
-    <p:sldId id="284" r:id="rId24"/>
-    <p:sldId id="267" r:id="rId25"/>
-    <p:sldId id="268" r:id="rId26"/>
-    <p:sldId id="273" r:id="rId27"/>
-    <p:sldId id="272" r:id="rId28"/>
-    <p:sldId id="270" r:id="rId29"/>
-    <p:sldId id="271" r:id="rId30"/>
-    <p:sldId id="269" r:id="rId31"/>
+    <p:sldId id="287" r:id="rId22"/>
+    <p:sldId id="291" r:id="rId23"/>
+    <p:sldId id="290" r:id="rId24"/>
+    <p:sldId id="288" r:id="rId25"/>
+    <p:sldId id="292" r:id="rId26"/>
+    <p:sldId id="289" r:id="rId27"/>
+    <p:sldId id="265" r:id="rId28"/>
+    <p:sldId id="266" r:id="rId29"/>
+    <p:sldId id="284" r:id="rId30"/>
+    <p:sldId id="267" r:id="rId31"/>
+    <p:sldId id="268" r:id="rId32"/>
+    <p:sldId id="273" r:id="rId33"/>
+    <p:sldId id="272" r:id="rId34"/>
+    <p:sldId id="270" r:id="rId35"/>
+    <p:sldId id="271" r:id="rId36"/>
+    <p:sldId id="269" r:id="rId37"/>
   </p:sldIdLst>
   <p:sldSz cx="12192000" cy="6858000"/>
   <p:notesSz cx="6858000" cy="9144000"/>
@@ -5824,6 +5830,712 @@
       </p:grpSpPr>
       <p:sp>
         <p:nvSpPr>
+          <p:cNvPr id="2" name="Title 1"/>
+          <p:cNvSpPr>
+            <a:spLocks noGrp="1"/>
+          </p:cNvSpPr>
+          <p:nvPr>
+            <p:ph type="title"/>
+          </p:nvPr>
+        </p:nvSpPr>
+        <p:spPr>
+          <a:xfrm>
+            <a:off x="838200" y="365126"/>
+            <a:ext cx="10515600" cy="567030"/>
+          </a:xfrm>
+        </p:spPr>
+        <p:txBody>
+          <a:bodyPr>
+            <a:normAutofit/>
+          </a:bodyPr>
+          <a:lstStyle/>
+          <a:p>
+            <a:r>
+              <a:rPr lang="tr-TR" sz="2400" dirty="0"/>
+              <a:t>Simulation Results</a:t>
+            </a:r>
+          </a:p>
+        </p:txBody>
+      </p:sp>
+      <p:sp>
+        <p:nvSpPr>
+          <p:cNvPr id="3" name="Content Placeholder 2"/>
+          <p:cNvSpPr>
+            <a:spLocks noGrp="1"/>
+          </p:cNvSpPr>
+          <p:nvPr>
+            <p:ph idx="1"/>
+          </p:nvPr>
+        </p:nvSpPr>
+        <p:spPr>
+          <a:xfrm>
+            <a:off x="838200" y="932156"/>
+            <a:ext cx="10515600" cy="447058"/>
+          </a:xfrm>
+        </p:spPr>
+        <p:txBody>
+          <a:bodyPr>
+            <a:normAutofit/>
+          </a:bodyPr>
+          <a:lstStyle/>
+          <a:p>
+            <a:pPr>
+              <a:buFont typeface="Wingdings" panose="05000000000000000000" pitchFamily="2" charset="2"/>
+              <a:buChar char="ü"/>
+            </a:pPr>
+            <a:r>
+              <a:rPr lang="tr-TR" sz="1800" dirty="0"/>
+              <a:t>220V input voltage</a:t>
+            </a:r>
+          </a:p>
+        </p:txBody>
+      </p:sp>
+      <p:pic>
+        <p:nvPicPr>
+          <p:cNvPr id="4" name="Picture 3"/>
+          <p:cNvPicPr/>
+          <p:nvPr/>
+        </p:nvPicPr>
+        <p:blipFill>
+          <a:blip r:embed="rId2"/>
+          <a:stretch>
+            <a:fillRect/>
+          </a:stretch>
+        </p:blipFill>
+        <p:spPr>
+          <a:xfrm>
+            <a:off x="1947539" y="1499186"/>
+            <a:ext cx="8296922" cy="3725446"/>
+          </a:xfrm>
+          <a:prstGeom prst="rect">
+            <a:avLst/>
+          </a:prstGeom>
+        </p:spPr>
+      </p:pic>
+    </p:spTree>
+    <p:extLst>
+      <p:ext uri="{BB962C8B-B14F-4D97-AF65-F5344CB8AC3E}">
+        <p14:creationId xmlns:p14="http://schemas.microsoft.com/office/powerpoint/2010/main" val="805797007"/>
+      </p:ext>
+    </p:extLst>
+  </p:cSld>
+  <p:clrMapOvr>
+    <a:masterClrMapping/>
+  </p:clrMapOvr>
+</p:sld>
+</file>
+
+<file path=ppt/slides/slide22.xml><?xml version="1.0" encoding="utf-8"?>
+<p:sld xmlns:a="http://schemas.openxmlformats.org/drawingml/2006/main" xmlns:r="http://schemas.openxmlformats.org/officeDocument/2006/relationships" xmlns:p="http://schemas.openxmlformats.org/presentationml/2006/main">
+  <p:cSld>
+    <p:spTree>
+      <p:nvGrpSpPr>
+        <p:cNvPr id="1" name=""/>
+        <p:cNvGrpSpPr/>
+        <p:nvPr/>
+      </p:nvGrpSpPr>
+      <p:grpSpPr>
+        <a:xfrm>
+          <a:off x="0" y="0"/>
+          <a:ext cx="0" cy="0"/>
+          <a:chOff x="0" y="0"/>
+          <a:chExt cx="0" cy="0"/>
+        </a:xfrm>
+      </p:grpSpPr>
+      <p:sp>
+        <p:nvSpPr>
+          <p:cNvPr id="2" name="Title 1"/>
+          <p:cNvSpPr>
+            <a:spLocks noGrp="1"/>
+          </p:cNvSpPr>
+          <p:nvPr>
+            <p:ph type="title"/>
+          </p:nvPr>
+        </p:nvSpPr>
+        <p:spPr>
+          <a:xfrm>
+            <a:off x="838200" y="365126"/>
+            <a:ext cx="10515600" cy="567030"/>
+          </a:xfrm>
+        </p:spPr>
+        <p:txBody>
+          <a:bodyPr>
+            <a:normAutofit/>
+          </a:bodyPr>
+          <a:lstStyle/>
+          <a:p>
+            <a:r>
+              <a:rPr lang="tr-TR" sz="2400" dirty="0"/>
+              <a:t>Simulation Results</a:t>
+            </a:r>
+          </a:p>
+        </p:txBody>
+      </p:sp>
+      <p:sp>
+        <p:nvSpPr>
+          <p:cNvPr id="3" name="Content Placeholder 2"/>
+          <p:cNvSpPr>
+            <a:spLocks noGrp="1"/>
+          </p:cNvSpPr>
+          <p:nvPr>
+            <p:ph idx="1"/>
+          </p:nvPr>
+        </p:nvSpPr>
+        <p:spPr>
+          <a:xfrm>
+            <a:off x="838200" y="932156"/>
+            <a:ext cx="10515600" cy="447058"/>
+          </a:xfrm>
+        </p:spPr>
+        <p:txBody>
+          <a:bodyPr>
+            <a:normAutofit/>
+          </a:bodyPr>
+          <a:lstStyle/>
+          <a:p>
+            <a:pPr>
+              <a:buFont typeface="Wingdings" panose="05000000000000000000" pitchFamily="2" charset="2"/>
+              <a:buChar char="ü"/>
+            </a:pPr>
+            <a:r>
+              <a:rPr lang="tr-TR" sz="1800" dirty="0"/>
+              <a:t>220V input voltage – output voltage ripple</a:t>
+            </a:r>
+          </a:p>
+        </p:txBody>
+      </p:sp>
+      <p:pic>
+        <p:nvPicPr>
+          <p:cNvPr id="5" name="Picture 4"/>
+          <p:cNvPicPr/>
+          <p:nvPr/>
+        </p:nvPicPr>
+        <p:blipFill>
+          <a:blip r:embed="rId2"/>
+          <a:stretch>
+            <a:fillRect/>
+          </a:stretch>
+        </p:blipFill>
+        <p:spPr>
+          <a:xfrm>
+            <a:off x="1955529" y="1839712"/>
+            <a:ext cx="8280942" cy="3176171"/>
+          </a:xfrm>
+          <a:prstGeom prst="rect">
+            <a:avLst/>
+          </a:prstGeom>
+        </p:spPr>
+      </p:pic>
+    </p:spTree>
+    <p:extLst>
+      <p:ext uri="{BB962C8B-B14F-4D97-AF65-F5344CB8AC3E}">
+        <p14:creationId xmlns:p14="http://schemas.microsoft.com/office/powerpoint/2010/main" val="4249024573"/>
+      </p:ext>
+    </p:extLst>
+  </p:cSld>
+  <p:clrMapOvr>
+    <a:masterClrMapping/>
+  </p:clrMapOvr>
+</p:sld>
+</file>
+
+<file path=ppt/slides/slide23.xml><?xml version="1.0" encoding="utf-8"?>
+<p:sld xmlns:a="http://schemas.openxmlformats.org/drawingml/2006/main" xmlns:r="http://schemas.openxmlformats.org/officeDocument/2006/relationships" xmlns:p="http://schemas.openxmlformats.org/presentationml/2006/main">
+  <p:cSld>
+    <p:spTree>
+      <p:nvGrpSpPr>
+        <p:cNvPr id="1" name=""/>
+        <p:cNvGrpSpPr/>
+        <p:nvPr/>
+      </p:nvGrpSpPr>
+      <p:grpSpPr>
+        <a:xfrm>
+          <a:off x="0" y="0"/>
+          <a:ext cx="0" cy="0"/>
+          <a:chOff x="0" y="0"/>
+          <a:chExt cx="0" cy="0"/>
+        </a:xfrm>
+      </p:grpSpPr>
+      <p:sp>
+        <p:nvSpPr>
+          <p:cNvPr id="2" name="Title 1"/>
+          <p:cNvSpPr>
+            <a:spLocks noGrp="1"/>
+          </p:cNvSpPr>
+          <p:nvPr>
+            <p:ph type="title"/>
+          </p:nvPr>
+        </p:nvSpPr>
+        <p:spPr>
+          <a:xfrm>
+            <a:off x="838200" y="365126"/>
+            <a:ext cx="10515600" cy="567030"/>
+          </a:xfrm>
+        </p:spPr>
+        <p:txBody>
+          <a:bodyPr>
+            <a:normAutofit/>
+          </a:bodyPr>
+          <a:lstStyle/>
+          <a:p>
+            <a:r>
+              <a:rPr lang="tr-TR" sz="2400" dirty="0"/>
+              <a:t>Simulation Results</a:t>
+            </a:r>
+          </a:p>
+        </p:txBody>
+      </p:sp>
+      <p:sp>
+        <p:nvSpPr>
+          <p:cNvPr id="3" name="Content Placeholder 2"/>
+          <p:cNvSpPr>
+            <a:spLocks noGrp="1"/>
+          </p:cNvSpPr>
+          <p:nvPr>
+            <p:ph idx="1"/>
+          </p:nvPr>
+        </p:nvSpPr>
+        <p:spPr>
+          <a:xfrm>
+            <a:off x="838200" y="932156"/>
+            <a:ext cx="10515600" cy="447058"/>
+          </a:xfrm>
+        </p:spPr>
+        <p:txBody>
+          <a:bodyPr>
+            <a:normAutofit/>
+          </a:bodyPr>
+          <a:lstStyle/>
+          <a:p>
+            <a:pPr>
+              <a:buFont typeface="Wingdings" panose="05000000000000000000" pitchFamily="2" charset="2"/>
+              <a:buChar char="ü"/>
+            </a:pPr>
+            <a:r>
+              <a:rPr lang="tr-TR" sz="1800" dirty="0"/>
+              <a:t>220V input, No load to Full Load </a:t>
+            </a:r>
+          </a:p>
+        </p:txBody>
+      </p:sp>
+      <p:pic>
+        <p:nvPicPr>
+          <p:cNvPr id="6" name="Resim 55"/>
+          <p:cNvPicPr/>
+          <p:nvPr/>
+        </p:nvPicPr>
+        <p:blipFill>
+          <a:blip r:embed="rId2">
+            <a:extLst>
+              <a:ext uri="{28A0092B-C50C-407E-A947-70E740481C1C}">
+                <a14:useLocalDpi xmlns:a14="http://schemas.microsoft.com/office/drawing/2010/main" val="0"/>
+              </a:ext>
+            </a:extLst>
+          </a:blip>
+          <a:srcRect/>
+          <a:stretch>
+            <a:fillRect/>
+          </a:stretch>
+        </p:blipFill>
+        <p:spPr bwMode="auto">
+          <a:xfrm>
+            <a:off x="2248492" y="1499186"/>
+            <a:ext cx="7695016" cy="3441361"/>
+          </a:xfrm>
+          <a:prstGeom prst="rect">
+            <a:avLst/>
+          </a:prstGeom>
+          <a:noFill/>
+          <a:ln>
+            <a:noFill/>
+          </a:ln>
+        </p:spPr>
+      </p:pic>
+    </p:spTree>
+    <p:extLst>
+      <p:ext uri="{BB962C8B-B14F-4D97-AF65-F5344CB8AC3E}">
+        <p14:creationId xmlns:p14="http://schemas.microsoft.com/office/powerpoint/2010/main" val="1109743223"/>
+      </p:ext>
+    </p:extLst>
+  </p:cSld>
+  <p:clrMapOvr>
+    <a:masterClrMapping/>
+  </p:clrMapOvr>
+</p:sld>
+</file>
+
+<file path=ppt/slides/slide24.xml><?xml version="1.0" encoding="utf-8"?>
+<p:sld xmlns:a="http://schemas.openxmlformats.org/drawingml/2006/main" xmlns:r="http://schemas.openxmlformats.org/officeDocument/2006/relationships" xmlns:p="http://schemas.openxmlformats.org/presentationml/2006/main">
+  <p:cSld>
+    <p:spTree>
+      <p:nvGrpSpPr>
+        <p:cNvPr id="1" name=""/>
+        <p:cNvGrpSpPr/>
+        <p:nvPr/>
+      </p:nvGrpSpPr>
+      <p:grpSpPr>
+        <a:xfrm>
+          <a:off x="0" y="0"/>
+          <a:ext cx="0" cy="0"/>
+          <a:chOff x="0" y="0"/>
+          <a:chExt cx="0" cy="0"/>
+        </a:xfrm>
+      </p:grpSpPr>
+      <p:sp>
+        <p:nvSpPr>
+          <p:cNvPr id="2" name="Title 1"/>
+          <p:cNvSpPr>
+            <a:spLocks noGrp="1"/>
+          </p:cNvSpPr>
+          <p:nvPr>
+            <p:ph type="title"/>
+          </p:nvPr>
+        </p:nvSpPr>
+        <p:spPr>
+          <a:xfrm>
+            <a:off x="838200" y="365126"/>
+            <a:ext cx="10515600" cy="567030"/>
+          </a:xfrm>
+        </p:spPr>
+        <p:txBody>
+          <a:bodyPr>
+            <a:normAutofit/>
+          </a:bodyPr>
+          <a:lstStyle/>
+          <a:p>
+            <a:r>
+              <a:rPr lang="tr-TR" sz="2400" dirty="0"/>
+              <a:t>Simulation Results</a:t>
+            </a:r>
+          </a:p>
+        </p:txBody>
+      </p:sp>
+      <p:sp>
+        <p:nvSpPr>
+          <p:cNvPr id="3" name="Content Placeholder 2"/>
+          <p:cNvSpPr>
+            <a:spLocks noGrp="1"/>
+          </p:cNvSpPr>
+          <p:nvPr>
+            <p:ph idx="1"/>
+          </p:nvPr>
+        </p:nvSpPr>
+        <p:spPr>
+          <a:xfrm>
+            <a:off x="838200" y="932156"/>
+            <a:ext cx="10515600" cy="447058"/>
+          </a:xfrm>
+        </p:spPr>
+        <p:txBody>
+          <a:bodyPr>
+            <a:normAutofit/>
+          </a:bodyPr>
+          <a:lstStyle/>
+          <a:p>
+            <a:pPr>
+              <a:buFont typeface="Wingdings" panose="05000000000000000000" pitchFamily="2" charset="2"/>
+              <a:buChar char="ü"/>
+            </a:pPr>
+            <a:r>
+              <a:rPr lang="tr-TR" sz="1800" dirty="0"/>
+              <a:t>400V input voltage</a:t>
+            </a:r>
+          </a:p>
+        </p:txBody>
+      </p:sp>
+      <p:pic>
+        <p:nvPicPr>
+          <p:cNvPr id="5" name="Picture 4"/>
+          <p:cNvPicPr/>
+          <p:nvPr/>
+        </p:nvPicPr>
+        <p:blipFill>
+          <a:blip r:embed="rId2"/>
+          <a:stretch>
+            <a:fillRect/>
+          </a:stretch>
+        </p:blipFill>
+        <p:spPr>
+          <a:xfrm>
+            <a:off x="1822363" y="1716564"/>
+            <a:ext cx="8547273" cy="3707691"/>
+          </a:xfrm>
+          <a:prstGeom prst="rect">
+            <a:avLst/>
+          </a:prstGeom>
+        </p:spPr>
+      </p:pic>
+    </p:spTree>
+    <p:extLst>
+      <p:ext uri="{BB962C8B-B14F-4D97-AF65-F5344CB8AC3E}">
+        <p14:creationId xmlns:p14="http://schemas.microsoft.com/office/powerpoint/2010/main" val="335559849"/>
+      </p:ext>
+    </p:extLst>
+  </p:cSld>
+  <p:clrMapOvr>
+    <a:masterClrMapping/>
+  </p:clrMapOvr>
+</p:sld>
+</file>
+
+<file path=ppt/slides/slide25.xml><?xml version="1.0" encoding="utf-8"?>
+<p:sld xmlns:a="http://schemas.openxmlformats.org/drawingml/2006/main" xmlns:r="http://schemas.openxmlformats.org/officeDocument/2006/relationships" xmlns:p="http://schemas.openxmlformats.org/presentationml/2006/main">
+  <p:cSld>
+    <p:spTree>
+      <p:nvGrpSpPr>
+        <p:cNvPr id="1" name=""/>
+        <p:cNvGrpSpPr/>
+        <p:nvPr/>
+      </p:nvGrpSpPr>
+      <p:grpSpPr>
+        <a:xfrm>
+          <a:off x="0" y="0"/>
+          <a:ext cx="0" cy="0"/>
+          <a:chOff x="0" y="0"/>
+          <a:chExt cx="0" cy="0"/>
+        </a:xfrm>
+      </p:grpSpPr>
+      <p:sp>
+        <p:nvSpPr>
+          <p:cNvPr id="2" name="Title 1"/>
+          <p:cNvSpPr>
+            <a:spLocks noGrp="1"/>
+          </p:cNvSpPr>
+          <p:nvPr>
+            <p:ph type="title"/>
+          </p:nvPr>
+        </p:nvSpPr>
+        <p:spPr>
+          <a:xfrm>
+            <a:off x="838200" y="365126"/>
+            <a:ext cx="10515600" cy="567030"/>
+          </a:xfrm>
+        </p:spPr>
+        <p:txBody>
+          <a:bodyPr>
+            <a:normAutofit/>
+          </a:bodyPr>
+          <a:lstStyle/>
+          <a:p>
+            <a:r>
+              <a:rPr lang="tr-TR" sz="2400" dirty="0"/>
+              <a:t>Simulation Results</a:t>
+            </a:r>
+          </a:p>
+        </p:txBody>
+      </p:sp>
+      <p:sp>
+        <p:nvSpPr>
+          <p:cNvPr id="3" name="Content Placeholder 2"/>
+          <p:cNvSpPr>
+            <a:spLocks noGrp="1"/>
+          </p:cNvSpPr>
+          <p:nvPr>
+            <p:ph idx="1"/>
+          </p:nvPr>
+        </p:nvSpPr>
+        <p:spPr>
+          <a:xfrm>
+            <a:off x="838200" y="932156"/>
+            <a:ext cx="10515600" cy="447058"/>
+          </a:xfrm>
+        </p:spPr>
+        <p:txBody>
+          <a:bodyPr>
+            <a:normAutofit/>
+          </a:bodyPr>
+          <a:lstStyle/>
+          <a:p>
+            <a:pPr>
+              <a:buFont typeface="Wingdings" panose="05000000000000000000" pitchFamily="2" charset="2"/>
+              <a:buChar char="ü"/>
+            </a:pPr>
+            <a:r>
+              <a:rPr lang="tr-TR" sz="1800" dirty="0"/>
+              <a:t>400V input voltage – output voltage ripple</a:t>
+            </a:r>
+          </a:p>
+        </p:txBody>
+      </p:sp>
+      <p:pic>
+        <p:nvPicPr>
+          <p:cNvPr id="6" name="Picture 5"/>
+          <p:cNvPicPr/>
+          <p:nvPr/>
+        </p:nvPicPr>
+        <p:blipFill>
+          <a:blip r:embed="rId2"/>
+          <a:stretch>
+            <a:fillRect/>
+          </a:stretch>
+        </p:blipFill>
+        <p:spPr>
+          <a:xfrm>
+            <a:off x="2066500" y="1785432"/>
+            <a:ext cx="8059000" cy="2964122"/>
+          </a:xfrm>
+          <a:prstGeom prst="rect">
+            <a:avLst/>
+          </a:prstGeom>
+        </p:spPr>
+      </p:pic>
+    </p:spTree>
+    <p:extLst>
+      <p:ext uri="{BB962C8B-B14F-4D97-AF65-F5344CB8AC3E}">
+        <p14:creationId xmlns:p14="http://schemas.microsoft.com/office/powerpoint/2010/main" val="1155692581"/>
+      </p:ext>
+    </p:extLst>
+  </p:cSld>
+  <p:clrMapOvr>
+    <a:masterClrMapping/>
+  </p:clrMapOvr>
+</p:sld>
+</file>
+
+<file path=ppt/slides/slide26.xml><?xml version="1.0" encoding="utf-8"?>
+<p:sld xmlns:a="http://schemas.openxmlformats.org/drawingml/2006/main" xmlns:r="http://schemas.openxmlformats.org/officeDocument/2006/relationships" xmlns:p="http://schemas.openxmlformats.org/presentationml/2006/main">
+  <p:cSld>
+    <p:spTree>
+      <p:nvGrpSpPr>
+        <p:cNvPr id="1" name=""/>
+        <p:cNvGrpSpPr/>
+        <p:nvPr/>
+      </p:nvGrpSpPr>
+      <p:grpSpPr>
+        <a:xfrm>
+          <a:off x="0" y="0"/>
+          <a:ext cx="0" cy="0"/>
+          <a:chOff x="0" y="0"/>
+          <a:chExt cx="0" cy="0"/>
+        </a:xfrm>
+      </p:grpSpPr>
+      <p:sp>
+        <p:nvSpPr>
+          <p:cNvPr id="2" name="Title 1"/>
+          <p:cNvSpPr>
+            <a:spLocks noGrp="1"/>
+          </p:cNvSpPr>
+          <p:nvPr>
+            <p:ph type="title"/>
+          </p:nvPr>
+        </p:nvSpPr>
+        <p:spPr>
+          <a:xfrm>
+            <a:off x="838200" y="365126"/>
+            <a:ext cx="10515600" cy="567030"/>
+          </a:xfrm>
+        </p:spPr>
+        <p:txBody>
+          <a:bodyPr>
+            <a:normAutofit/>
+          </a:bodyPr>
+          <a:lstStyle/>
+          <a:p>
+            <a:r>
+              <a:rPr lang="tr-TR" sz="2400" dirty="0"/>
+              <a:t>Simulation Results</a:t>
+            </a:r>
+          </a:p>
+        </p:txBody>
+      </p:sp>
+      <p:sp>
+        <p:nvSpPr>
+          <p:cNvPr id="3" name="Content Placeholder 2"/>
+          <p:cNvSpPr>
+            <a:spLocks noGrp="1"/>
+          </p:cNvSpPr>
+          <p:nvPr>
+            <p:ph idx="1"/>
+          </p:nvPr>
+        </p:nvSpPr>
+        <p:spPr>
+          <a:xfrm>
+            <a:off x="838200" y="932156"/>
+            <a:ext cx="10515600" cy="447058"/>
+          </a:xfrm>
+        </p:spPr>
+        <p:txBody>
+          <a:bodyPr>
+            <a:normAutofit/>
+          </a:bodyPr>
+          <a:lstStyle/>
+          <a:p>
+            <a:pPr>
+              <a:buFont typeface="Wingdings" panose="05000000000000000000" pitchFamily="2" charset="2"/>
+              <a:buChar char="ü"/>
+            </a:pPr>
+            <a:r>
+              <a:rPr lang="tr-TR" sz="1800" dirty="0"/>
+              <a:t>400V input, No load to Full Load </a:t>
+            </a:r>
+          </a:p>
+        </p:txBody>
+      </p:sp>
+      <p:pic>
+        <p:nvPicPr>
+          <p:cNvPr id="5" name="Resim 56" descr="tablo içeren bir resim&#10;&#10;Açıklama otomatik olarak oluşturuldu"/>
+          <p:cNvPicPr/>
+          <p:nvPr/>
+        </p:nvPicPr>
+        <p:blipFill>
+          <a:blip r:embed="rId2">
+            <a:extLst>
+              <a:ext uri="{28A0092B-C50C-407E-A947-70E740481C1C}">
+                <a14:useLocalDpi xmlns:a14="http://schemas.microsoft.com/office/drawing/2010/main" val="0"/>
+              </a:ext>
+            </a:extLst>
+          </a:blip>
+          <a:srcRect/>
+          <a:stretch>
+            <a:fillRect/>
+          </a:stretch>
+        </p:blipFill>
+        <p:spPr bwMode="auto">
+          <a:xfrm>
+            <a:off x="2030989" y="1610035"/>
+            <a:ext cx="8130022" cy="3574526"/>
+          </a:xfrm>
+          <a:prstGeom prst="rect">
+            <a:avLst/>
+          </a:prstGeom>
+          <a:noFill/>
+          <a:ln>
+            <a:noFill/>
+          </a:ln>
+        </p:spPr>
+      </p:pic>
+    </p:spTree>
+    <p:extLst>
+      <p:ext uri="{BB962C8B-B14F-4D97-AF65-F5344CB8AC3E}">
+        <p14:creationId xmlns:p14="http://schemas.microsoft.com/office/powerpoint/2010/main" val="112390199"/>
+      </p:ext>
+    </p:extLst>
+  </p:cSld>
+  <p:clrMapOvr>
+    <a:masterClrMapping/>
+  </p:clrMapOvr>
+</p:sld>
+</file>
+
+<file path=ppt/slides/slide27.xml><?xml version="1.0" encoding="utf-8"?>
+<p:sld xmlns:a="http://schemas.openxmlformats.org/drawingml/2006/main" xmlns:r="http://schemas.openxmlformats.org/officeDocument/2006/relationships" xmlns:p="http://schemas.openxmlformats.org/presentationml/2006/main">
+  <p:cSld>
+    <p:spTree>
+      <p:nvGrpSpPr>
+        <p:cNvPr id="1" name=""/>
+        <p:cNvGrpSpPr/>
+        <p:nvPr/>
+      </p:nvGrpSpPr>
+      <p:grpSpPr>
+        <a:xfrm>
+          <a:off x="0" y="0"/>
+          <a:ext cx="0" cy="0"/>
+          <a:chOff x="0" y="0"/>
+          <a:chExt cx="0" cy="0"/>
+        </a:xfrm>
+      </p:grpSpPr>
+      <p:sp>
+        <p:nvSpPr>
           <p:cNvPr id="2" name="Başlık 1">
             <a:extLst>
               <a:ext uri="{FF2B5EF4-FFF2-40B4-BE49-F238E27FC236}">
@@ -6786,7 +7498,7 @@
 </p:sld>
 </file>
 
-<file path=ppt/slides/slide22.xml><?xml version="1.0" encoding="utf-8"?>
+<file path=ppt/slides/slide28.xml><?xml version="1.0" encoding="utf-8"?>
 <p:sld xmlns:a="http://schemas.openxmlformats.org/drawingml/2006/main" xmlns:r="http://schemas.openxmlformats.org/officeDocument/2006/relationships" xmlns:p="http://schemas.openxmlformats.org/presentationml/2006/main">
   <p:cSld>
     <p:spTree>
@@ -7893,7 +8605,7 @@
 </p:sld>
 </file>
 
-<file path=ppt/slides/slide23.xml><?xml version="1.0" encoding="utf-8"?>
+<file path=ppt/slides/slide29.xml><?xml version="1.0" encoding="utf-8"?>
 <p:sld xmlns:a="http://schemas.openxmlformats.org/drawingml/2006/main" xmlns:r="http://schemas.openxmlformats.org/officeDocument/2006/relationships" xmlns:p="http://schemas.openxmlformats.org/presentationml/2006/main">
   <p:cSld>
     <p:spTree>
@@ -8532,7 +9244,152 @@
 </p:sld>
 </file>
 
-<file path=ppt/slides/slide24.xml><?xml version="1.0" encoding="utf-8"?>
+<file path=ppt/slides/slide3.xml><?xml version="1.0" encoding="utf-8"?>
+<p:sld xmlns:a="http://schemas.openxmlformats.org/drawingml/2006/main" xmlns:r="http://schemas.openxmlformats.org/officeDocument/2006/relationships" xmlns:p="http://schemas.openxmlformats.org/presentationml/2006/main">
+  <p:cSld>
+    <p:spTree>
+      <p:nvGrpSpPr>
+        <p:cNvPr id="1" name=""/>
+        <p:cNvGrpSpPr/>
+        <p:nvPr/>
+      </p:nvGrpSpPr>
+      <p:grpSpPr>
+        <a:xfrm>
+          <a:off x="0" y="0"/>
+          <a:ext cx="0" cy="0"/>
+          <a:chOff x="0" y="0"/>
+          <a:chExt cx="0" cy="0"/>
+        </a:xfrm>
+      </p:grpSpPr>
+      <p:sp>
+        <p:nvSpPr>
+          <p:cNvPr id="2" name="Başlık 1">
+            <a:extLst>
+              <a:ext uri="{FF2B5EF4-FFF2-40B4-BE49-F238E27FC236}">
+                <a16:creationId xmlns:a16="http://schemas.microsoft.com/office/drawing/2014/main" id="{D70D81D9-E09D-674F-8361-CEC99CFB61ED}"/>
+              </a:ext>
+            </a:extLst>
+          </p:cNvPr>
+          <p:cNvSpPr>
+            <a:spLocks noGrp="1"/>
+          </p:cNvSpPr>
+          <p:nvPr>
+            <p:ph type="title"/>
+          </p:nvPr>
+        </p:nvSpPr>
+        <p:spPr/>
+        <p:txBody>
+          <a:bodyPr>
+            <a:normAutofit/>
+          </a:bodyPr>
+          <a:lstStyle/>
+          <a:p>
+            <a:r>
+              <a:rPr lang="en-US" sz="2400" dirty="0"/>
+              <a:t>Topology Selection</a:t>
+            </a:r>
+          </a:p>
+        </p:txBody>
+      </p:sp>
+      <p:sp>
+        <p:nvSpPr>
+          <p:cNvPr id="3" name="İçerik Yer Tutucusu 2">
+            <a:extLst>
+              <a:ext uri="{FF2B5EF4-FFF2-40B4-BE49-F238E27FC236}">
+                <a16:creationId xmlns:a16="http://schemas.microsoft.com/office/drawing/2014/main" id="{A7DDC415-13F3-1246-A4F1-9BE4F4FECFCC}"/>
+              </a:ext>
+            </a:extLst>
+          </p:cNvPr>
+          <p:cNvSpPr>
+            <a:spLocks noGrp="1"/>
+          </p:cNvSpPr>
+          <p:nvPr>
+            <p:ph idx="1"/>
+          </p:nvPr>
+        </p:nvSpPr>
+        <p:spPr>
+          <a:xfrm>
+            <a:off x="838200" y="1825625"/>
+            <a:ext cx="10515600" cy="3998126"/>
+          </a:xfrm>
+        </p:spPr>
+        <p:txBody>
+          <a:bodyPr>
+            <a:normAutofit/>
+          </a:bodyPr>
+          <a:lstStyle/>
+          <a:p>
+            <a:pPr>
+              <a:lnSpc>
+                <a:spcPct val="150000"/>
+              </a:lnSpc>
+            </a:pPr>
+            <a:r>
+              <a:rPr lang="tr-TR" sz="1800" dirty="0"/>
+              <a:t>Flyback</a:t>
+            </a:r>
+          </a:p>
+          <a:p>
+            <a:pPr>
+              <a:lnSpc>
+                <a:spcPct val="150000"/>
+              </a:lnSpc>
+            </a:pPr>
+            <a:r>
+              <a:rPr lang="tr-TR" sz="1800" dirty="0"/>
+              <a:t>Forward</a:t>
+            </a:r>
+          </a:p>
+          <a:p>
+            <a:pPr>
+              <a:lnSpc>
+                <a:spcPct val="150000"/>
+              </a:lnSpc>
+            </a:pPr>
+            <a:r>
+              <a:rPr lang="tr-TR" sz="1800" dirty="0"/>
+              <a:t>Half Bridge</a:t>
+            </a:r>
+          </a:p>
+          <a:p>
+            <a:pPr>
+              <a:lnSpc>
+                <a:spcPct val="150000"/>
+              </a:lnSpc>
+            </a:pPr>
+            <a:r>
+              <a:rPr lang="tr-TR" sz="1800" dirty="0"/>
+              <a:t>Full Bridge</a:t>
+            </a:r>
+          </a:p>
+          <a:p>
+            <a:pPr>
+              <a:lnSpc>
+                <a:spcPct val="150000"/>
+              </a:lnSpc>
+            </a:pPr>
+            <a:r>
+              <a:rPr lang="tr-TR" sz="1800" dirty="0"/>
+              <a:t>Push – Pull </a:t>
+            </a:r>
+            <a:endParaRPr lang="en-US" sz="1800" dirty="0"/>
+          </a:p>
+        </p:txBody>
+      </p:sp>
+    </p:spTree>
+    <p:extLst>
+      <p:ext uri="{BB962C8B-B14F-4D97-AF65-F5344CB8AC3E}">
+        <p14:creationId xmlns:p14="http://schemas.microsoft.com/office/powerpoint/2010/main" val="3606897534"/>
+      </p:ext>
+    </p:extLst>
+  </p:cSld>
+  <p:clrMapOvr>
+    <a:masterClrMapping/>
+  </p:clrMapOvr>
+</p:sld>
+</file>
+
+<file path=ppt/slides/slide30.xml><?xml version="1.0" encoding="utf-8"?>
 <p:sld xmlns:a="http://schemas.openxmlformats.org/drawingml/2006/main" xmlns:r="http://schemas.openxmlformats.org/officeDocument/2006/relationships" xmlns:p="http://schemas.openxmlformats.org/presentationml/2006/main">
   <p:cSld>
     <p:spTree>
@@ -10079,7 +10936,7 @@
 </p:sld>
 </file>
 
-<file path=ppt/slides/slide25.xml><?xml version="1.0" encoding="utf-8"?>
+<file path=ppt/slides/slide31.xml><?xml version="1.0" encoding="utf-8"?>
 <p:sld xmlns:a="http://schemas.openxmlformats.org/drawingml/2006/main" xmlns:r="http://schemas.openxmlformats.org/officeDocument/2006/relationships" xmlns:p="http://schemas.openxmlformats.org/presentationml/2006/main">
   <p:cSld>
     <p:spTree>
@@ -10218,7 +11075,7 @@
 </p:sld>
 </file>
 
-<file path=ppt/slides/slide26.xml><?xml version="1.0" encoding="utf-8"?>
+<file path=ppt/slides/slide32.xml><?xml version="1.0" encoding="utf-8"?>
 <p:sld xmlns:a="http://schemas.openxmlformats.org/drawingml/2006/main" xmlns:r="http://schemas.openxmlformats.org/officeDocument/2006/relationships" xmlns:p="http://schemas.openxmlformats.org/presentationml/2006/main">
   <p:cSld>
     <p:spTree>
@@ -10541,7 +11398,7 @@
 </p:sld>
 </file>
 
-<file path=ppt/slides/slide27.xml><?xml version="1.0" encoding="utf-8"?>
+<file path=ppt/slides/slide33.xml><?xml version="1.0" encoding="utf-8"?>
 <p:sld xmlns:a="http://schemas.openxmlformats.org/drawingml/2006/main" xmlns:r="http://schemas.openxmlformats.org/officeDocument/2006/relationships" xmlns:p="http://schemas.openxmlformats.org/presentationml/2006/main">
   <p:cSld>
     <p:spTree>
@@ -10779,7 +11636,7 @@
 </p:sld>
 </file>
 
-<file path=ppt/slides/slide28.xml><?xml version="1.0" encoding="utf-8"?>
+<file path=ppt/slides/slide34.xml><?xml version="1.0" encoding="utf-8"?>
 <p:sld xmlns:a="http://schemas.openxmlformats.org/drawingml/2006/main" xmlns:r="http://schemas.openxmlformats.org/officeDocument/2006/relationships" xmlns:p="http://schemas.openxmlformats.org/presentationml/2006/main">
   <p:cSld>
     <p:spTree>
@@ -11933,7 +12790,7 @@
 </p:sld>
 </file>
 
-<file path=ppt/slides/slide29.xml><?xml version="1.0" encoding="utf-8"?>
+<file path=ppt/slides/slide35.xml><?xml version="1.0" encoding="utf-8"?>
 <p:sld xmlns:a="http://schemas.openxmlformats.org/drawingml/2006/main" xmlns:r="http://schemas.openxmlformats.org/officeDocument/2006/relationships" xmlns:p="http://schemas.openxmlformats.org/presentationml/2006/main">
   <p:cSld>
     <p:spTree>
@@ -11985,8 +12842,8 @@
           </a:p>
         </p:txBody>
       </p:sp>
-      <mc:AlternateContent xmlns:mc="http://schemas.openxmlformats.org/markup-compatibility/2006">
-        <mc:Choice xmlns:a14="http://schemas.microsoft.com/office/drawing/2010/main" Requires="a14">
+      <mc:AlternateContent xmlns:mc="http://schemas.openxmlformats.org/markup-compatibility/2006" xmlns:a14="http://schemas.microsoft.com/office/drawing/2010/main">
+        <mc:Choice Requires="a14">
           <p:sp>
             <p:nvSpPr>
               <p:cNvPr id="3" name="İçerik Yer Tutucusu 2">
@@ -12760,7 +13617,7 @@
             </p:txBody>
           </p:sp>
         </mc:Choice>
-        <mc:Fallback>
+        <mc:Fallback xmlns="">
           <p:sp>
             <p:nvSpPr>
               <p:cNvPr id="3" name="İçerik Yer Tutucusu 2">
@@ -12817,152 +13674,7 @@
 </p:sld>
 </file>
 
-<file path=ppt/slides/slide3.xml><?xml version="1.0" encoding="utf-8"?>
-<p:sld xmlns:a="http://schemas.openxmlformats.org/drawingml/2006/main" xmlns:r="http://schemas.openxmlformats.org/officeDocument/2006/relationships" xmlns:p="http://schemas.openxmlformats.org/presentationml/2006/main">
-  <p:cSld>
-    <p:spTree>
-      <p:nvGrpSpPr>
-        <p:cNvPr id="1" name=""/>
-        <p:cNvGrpSpPr/>
-        <p:nvPr/>
-      </p:nvGrpSpPr>
-      <p:grpSpPr>
-        <a:xfrm>
-          <a:off x="0" y="0"/>
-          <a:ext cx="0" cy="0"/>
-          <a:chOff x="0" y="0"/>
-          <a:chExt cx="0" cy="0"/>
-        </a:xfrm>
-      </p:grpSpPr>
-      <p:sp>
-        <p:nvSpPr>
-          <p:cNvPr id="2" name="Başlık 1">
-            <a:extLst>
-              <a:ext uri="{FF2B5EF4-FFF2-40B4-BE49-F238E27FC236}">
-                <a16:creationId xmlns:a16="http://schemas.microsoft.com/office/drawing/2014/main" id="{D70D81D9-E09D-674F-8361-CEC99CFB61ED}"/>
-              </a:ext>
-            </a:extLst>
-          </p:cNvPr>
-          <p:cNvSpPr>
-            <a:spLocks noGrp="1"/>
-          </p:cNvSpPr>
-          <p:nvPr>
-            <p:ph type="title"/>
-          </p:nvPr>
-        </p:nvSpPr>
-        <p:spPr/>
-        <p:txBody>
-          <a:bodyPr>
-            <a:normAutofit/>
-          </a:bodyPr>
-          <a:lstStyle/>
-          <a:p>
-            <a:r>
-              <a:rPr lang="en-US" sz="2400" dirty="0"/>
-              <a:t>Topology Selection</a:t>
-            </a:r>
-          </a:p>
-        </p:txBody>
-      </p:sp>
-      <p:sp>
-        <p:nvSpPr>
-          <p:cNvPr id="3" name="İçerik Yer Tutucusu 2">
-            <a:extLst>
-              <a:ext uri="{FF2B5EF4-FFF2-40B4-BE49-F238E27FC236}">
-                <a16:creationId xmlns:a16="http://schemas.microsoft.com/office/drawing/2014/main" id="{A7DDC415-13F3-1246-A4F1-9BE4F4FECFCC}"/>
-              </a:ext>
-            </a:extLst>
-          </p:cNvPr>
-          <p:cNvSpPr>
-            <a:spLocks noGrp="1"/>
-          </p:cNvSpPr>
-          <p:nvPr>
-            <p:ph idx="1"/>
-          </p:nvPr>
-        </p:nvSpPr>
-        <p:spPr>
-          <a:xfrm>
-            <a:off x="838200" y="1825625"/>
-            <a:ext cx="10515600" cy="3998126"/>
-          </a:xfrm>
-        </p:spPr>
-        <p:txBody>
-          <a:bodyPr>
-            <a:normAutofit/>
-          </a:bodyPr>
-          <a:lstStyle/>
-          <a:p>
-            <a:pPr>
-              <a:lnSpc>
-                <a:spcPct val="150000"/>
-              </a:lnSpc>
-            </a:pPr>
-            <a:r>
-              <a:rPr lang="tr-TR" sz="1800" dirty="0"/>
-              <a:t>Flyback</a:t>
-            </a:r>
-          </a:p>
-          <a:p>
-            <a:pPr>
-              <a:lnSpc>
-                <a:spcPct val="150000"/>
-              </a:lnSpc>
-            </a:pPr>
-            <a:r>
-              <a:rPr lang="tr-TR" sz="1800" dirty="0"/>
-              <a:t>Forward</a:t>
-            </a:r>
-          </a:p>
-          <a:p>
-            <a:pPr>
-              <a:lnSpc>
-                <a:spcPct val="150000"/>
-              </a:lnSpc>
-            </a:pPr>
-            <a:r>
-              <a:rPr lang="tr-TR" sz="1800" dirty="0"/>
-              <a:t>Half Bridge</a:t>
-            </a:r>
-          </a:p>
-          <a:p>
-            <a:pPr>
-              <a:lnSpc>
-                <a:spcPct val="150000"/>
-              </a:lnSpc>
-            </a:pPr>
-            <a:r>
-              <a:rPr lang="tr-TR" sz="1800" dirty="0"/>
-              <a:t>Full Bridge</a:t>
-            </a:r>
-          </a:p>
-          <a:p>
-            <a:pPr>
-              <a:lnSpc>
-                <a:spcPct val="150000"/>
-              </a:lnSpc>
-            </a:pPr>
-            <a:r>
-              <a:rPr lang="tr-TR" sz="1800" dirty="0"/>
-              <a:t>Push – Pull </a:t>
-            </a:r>
-            <a:endParaRPr lang="en-US" sz="1800" dirty="0"/>
-          </a:p>
-        </p:txBody>
-      </p:sp>
-    </p:spTree>
-    <p:extLst>
-      <p:ext uri="{BB962C8B-B14F-4D97-AF65-F5344CB8AC3E}">
-        <p14:creationId xmlns:p14="http://schemas.microsoft.com/office/powerpoint/2010/main" val="3606897534"/>
-      </p:ext>
-    </p:extLst>
-  </p:cSld>
-  <p:clrMapOvr>
-    <a:masterClrMapping/>
-  </p:clrMapOvr>
-</p:sld>
-</file>
-
-<file path=ppt/slides/slide30.xml><?xml version="1.0" encoding="utf-8"?>
+<file path=ppt/slides/slide36.xml><?xml version="1.0" encoding="utf-8"?>
 <p:sld xmlns:a="http://schemas.openxmlformats.org/drawingml/2006/main" xmlns:r="http://schemas.openxmlformats.org/officeDocument/2006/relationships" xmlns:p="http://schemas.openxmlformats.org/presentationml/2006/main">
   <p:cSld>
     <p:spTree>

--- a/EE464_Proje_Sunu.pptx
+++ b/EE464_Proje_Sunu.pptx
@@ -3819,10 +3819,10 @@
       </p:sp>
       <p:pic>
         <p:nvPicPr>
-          <p:cNvPr id="7" name="Resim 6">
+          <p:cNvPr id="4" name="Resim 3">
             <a:extLst>
               <a:ext uri="{FF2B5EF4-FFF2-40B4-BE49-F238E27FC236}">
-                <a16:creationId xmlns:a16="http://schemas.microsoft.com/office/drawing/2014/main" id="{AF7C7EE8-1F87-B84F-9CD2-3FFF6FCD69E7}"/>
+                <a16:creationId xmlns:a16="http://schemas.microsoft.com/office/drawing/2014/main" id="{4D0D0089-0D75-B545-9A35-2BD8164D1EFC}"/>
               </a:ext>
             </a:extLst>
           </p:cNvPr>
@@ -3839,8 +3839,8 @@
         </p:blipFill>
         <p:spPr>
           <a:xfrm>
-            <a:off x="0" y="922925"/>
-            <a:ext cx="12192000" cy="5012149"/>
+            <a:off x="228600" y="977900"/>
+            <a:ext cx="11734800" cy="4902200"/>
           </a:xfrm>
           <a:prstGeom prst="rect">
             <a:avLst/>
@@ -13721,8 +13721,8 @@
           </a:p>
         </p:txBody>
       </p:sp>
-      <mc:AlternateContent xmlns:mc="http://schemas.openxmlformats.org/markup-compatibility/2006" xmlns:a14="http://schemas.microsoft.com/office/drawing/2010/main">
-        <mc:Choice Requires="a14">
+      <mc:AlternateContent xmlns:mc="http://schemas.openxmlformats.org/markup-compatibility/2006">
+        <mc:Choice xmlns:a14="http://schemas.microsoft.com/office/drawing/2010/main" Requires="a14">
           <p:sp>
             <p:nvSpPr>
               <p:cNvPr id="5" name="İçerik Yer Tutucusu 4">
@@ -13804,6 +13804,20 @@
                         </a:rPr>
                         <m:t>=6.716</m:t>
                       </m:r>
+                      <m:r>
+                        <a:rPr lang="en-US" sz="1800" b="0" i="1" smtClean="0">
+                          <a:latin typeface="Cambria Math" panose="02040503050406030204" pitchFamily="18" charset="0"/>
+                          <a:ea typeface="Times New Roman" panose="02020603050405020304" pitchFamily="18" charset="0"/>
+                        </a:rPr>
+                        <m:t> </m:t>
+                      </m:r>
+                      <m:r>
+                        <a:rPr lang="en-US" sz="1800" b="0" i="1" smtClean="0">
+                          <a:latin typeface="Cambria Math" panose="02040503050406030204" pitchFamily="18" charset="0"/>
+                          <a:ea typeface="Times New Roman" panose="02020603050405020304" pitchFamily="18" charset="0"/>
+                        </a:rPr>
+                        <m:t>𝑊</m:t>
+                      </m:r>
                     </m:oMath>
                   </m:oMathPara>
                 </a14:m>
@@ -13812,7 +13826,7 @@
             </p:txBody>
           </p:sp>
         </mc:Choice>
-        <mc:Fallback xmlns="">
+        <mc:Fallback>
           <p:sp>
             <p:nvSpPr>
               <p:cNvPr id="5" name="İçerik Yer Tutucusu 4">
@@ -13842,7 +13856,7 @@
               <a:lstStyle/>
               <a:p>
                 <a:r>
-                  <a:rPr lang="tr-TR">
+                  <a:rPr lang="en-US">
                     <a:noFill/>
                   </a:rPr>
                   <a:t> </a:t>
@@ -14751,7 +14765,7 @@
               <a:buChar char="v"/>
             </a:pPr>
             <a:r>
-              <a:rPr lang="tr-TR" sz="1800" i="1" dirty="0"/>
+              <a:rPr lang="en-US" sz="1800" i="1" dirty="0"/>
               <a:t>Push Pull</a:t>
             </a:r>
           </a:p>
@@ -14762,7 +14776,7 @@
               </a:lnSpc>
               <a:buNone/>
             </a:pPr>
-            <a:endParaRPr lang="tr-TR" sz="1800" i="1" dirty="0"/>
+            <a:endParaRPr lang="en-US" sz="1800" i="1" dirty="0"/>
           </a:p>
           <a:p>
             <a:pPr marL="0" indent="0">
@@ -14772,7 +14786,7 @@
               <a:buNone/>
             </a:pPr>
             <a:r>
-              <a:rPr lang="tr-TR" sz="1800" i="1" dirty="0"/>
+              <a:rPr lang="en-US" sz="1800" i="1" dirty="0"/>
               <a:t>Advantages:</a:t>
             </a:r>
           </a:p>
@@ -14783,7 +14797,7 @@
               </a:lnSpc>
             </a:pPr>
             <a:r>
-              <a:rPr lang="tr-TR" sz="1800" dirty="0"/>
+              <a:rPr lang="en-US" sz="1800" dirty="0"/>
               <a:t>Better transformer utilization </a:t>
             </a:r>
           </a:p>
@@ -14794,7 +14808,7 @@
               </a:lnSpc>
             </a:pPr>
             <a:r>
-              <a:rPr lang="tr-TR" sz="1400" dirty="0"/>
+              <a:rPr lang="en-US" sz="1400" dirty="0"/>
               <a:t>Core size is small compared to others</a:t>
             </a:r>
           </a:p>
@@ -14805,7 +14819,7 @@
               </a:lnSpc>
             </a:pPr>
             <a:r>
-              <a:rPr lang="tr-TR" sz="1400" dirty="0"/>
+              <a:rPr lang="en-US" sz="1400" dirty="0"/>
               <a:t>Transformer ratings are smaller </a:t>
             </a:r>
           </a:p>
@@ -14816,7 +14830,7 @@
               </a:lnSpc>
             </a:pPr>
             <a:r>
-              <a:rPr lang="tr-TR" sz="1800" dirty="0"/>
+              <a:rPr lang="en-US" sz="1800" dirty="0"/>
               <a:t>Small output filter requirement</a:t>
             </a:r>
           </a:p>
@@ -14827,7 +14841,7 @@
               </a:lnSpc>
               <a:buNone/>
             </a:pPr>
-            <a:endParaRPr lang="tr-TR" sz="1800" dirty="0"/>
+            <a:endParaRPr lang="en-US" sz="1800" dirty="0"/>
           </a:p>
           <a:p>
             <a:pPr marL="0" indent="0">
@@ -14837,7 +14851,7 @@
               <a:buNone/>
             </a:pPr>
             <a:r>
-              <a:rPr lang="tr-TR" sz="1800" i="1" dirty="0"/>
+              <a:rPr lang="en-US" sz="1800" i="1" dirty="0"/>
               <a:t>Disadvantages:</a:t>
             </a:r>
           </a:p>
@@ -14848,17 +14862,9 @@
               </a:lnSpc>
             </a:pPr>
             <a:r>
-              <a:rPr lang="tr-TR" sz="1800" dirty="0"/>
-              <a:t>Transformer utilization factor is not sufficient</a:t>
-            </a:r>
-          </a:p>
-          <a:p>
-            <a:pPr>
-              <a:lnSpc>
-                <a:spcPct val="100000"/>
-              </a:lnSpc>
-            </a:pPr>
-            <a:endParaRPr lang="tr-TR" sz="1800" dirty="0"/>
+              <a:rPr lang="en-US" sz="1800" dirty="0"/>
+              <a:t>Center Tap Transformer configuration</a:t>
+            </a:r>
           </a:p>
         </p:txBody>
       </p:sp>
